--- a/diet.pptx
+++ b/diet.pptx
@@ -1406,8 +1406,8 @@
         </p:nvSpPr>
         <p:spPr>
           <a:xfrm>
-            <a:off x="1296000" y="792000"/>
-            <a:ext cx="71640" cy="647640"/>
+            <a:off x="1388520" y="792000"/>
+            <a:ext cx="160920" cy="1479240"/>
           </a:xfrm>
           <a:prstGeom prst="rect">
             <a:avLst/>
@@ -1436,8 +1436,8 @@
         </p:nvSpPr>
         <p:spPr>
           <a:xfrm>
-            <a:off x="1440000" y="792000"/>
-            <a:ext cx="71640" cy="647640"/>
+            <a:off x="1717560" y="792000"/>
+            <a:ext cx="161640" cy="1479240"/>
           </a:xfrm>
           <a:prstGeom prst="rect">
             <a:avLst/>
@@ -1466,8 +1466,8 @@
         </p:nvSpPr>
         <p:spPr>
           <a:xfrm>
-            <a:off x="1584000" y="792000"/>
-            <a:ext cx="71640" cy="647640"/>
+            <a:off x="2047320" y="792000"/>
+            <a:ext cx="160920" cy="1479240"/>
           </a:xfrm>
           <a:prstGeom prst="rect">
             <a:avLst/>
@@ -1496,8 +1496,8 @@
         </p:nvSpPr>
         <p:spPr>
           <a:xfrm>
-            <a:off x="1728000" y="792000"/>
-            <a:ext cx="71640" cy="647640"/>
+            <a:off x="2376360" y="792000"/>
+            <a:ext cx="161640" cy="1479240"/>
           </a:xfrm>
           <a:prstGeom prst="rect">
             <a:avLst/>
@@ -1526,8 +1526,8 @@
         </p:nvSpPr>
         <p:spPr>
           <a:xfrm rot="3468000">
-            <a:off x="1506240" y="779040"/>
-            <a:ext cx="71640" cy="647640"/>
+            <a:off x="1869480" y="759240"/>
+            <a:ext cx="161280" cy="1479240"/>
           </a:xfrm>
           <a:prstGeom prst="rect">
             <a:avLst/>
@@ -1556,8 +1556,8 @@
         </p:nvSpPr>
         <p:spPr>
           <a:xfrm>
-            <a:off x="2206800" y="792000"/>
-            <a:ext cx="71640" cy="647640"/>
+            <a:off x="3472200" y="792000"/>
+            <a:ext cx="160920" cy="1479240"/>
           </a:xfrm>
           <a:prstGeom prst="rect">
             <a:avLst/>
@@ -1586,8 +1586,8 @@
         </p:nvSpPr>
         <p:spPr>
           <a:xfrm>
-            <a:off x="2350800" y="792000"/>
-            <a:ext cx="71640" cy="647640"/>
+            <a:off x="3801240" y="792000"/>
+            <a:ext cx="161640" cy="1479240"/>
           </a:xfrm>
           <a:prstGeom prst="rect">
             <a:avLst/>
@@ -1616,8 +1616,8 @@
         </p:nvSpPr>
         <p:spPr>
           <a:xfrm>
-            <a:off x="2494800" y="792000"/>
-            <a:ext cx="71640" cy="647640"/>
+            <a:off x="4131000" y="792000"/>
+            <a:ext cx="160920" cy="1479240"/>
           </a:xfrm>
           <a:prstGeom prst="rect">
             <a:avLst/>
@@ -1646,8 +1646,8 @@
         </p:nvSpPr>
         <p:spPr>
           <a:xfrm>
-            <a:off x="2638800" y="792000"/>
-            <a:ext cx="71640" cy="647640"/>
+            <a:off x="4460040" y="792000"/>
+            <a:ext cx="161640" cy="1479240"/>
           </a:xfrm>
           <a:prstGeom prst="rect">
             <a:avLst/>
@@ -1676,8 +1676,8 @@
         </p:nvSpPr>
         <p:spPr>
           <a:xfrm rot="3468000">
-            <a:off x="2417040" y="779040"/>
-            <a:ext cx="71640" cy="647640"/>
+            <a:off x="3953160" y="759240"/>
+            <a:ext cx="161280" cy="1479240"/>
           </a:xfrm>
           <a:prstGeom prst="rect">
             <a:avLst/>
@@ -1706,8 +1706,8 @@
         </p:nvSpPr>
         <p:spPr>
           <a:xfrm>
-            <a:off x="1296000" y="792000"/>
-            <a:ext cx="71640" cy="647640"/>
+            <a:off x="1388520" y="792000"/>
+            <a:ext cx="160920" cy="1479240"/>
           </a:xfrm>
           <a:prstGeom prst="rect">
             <a:avLst/>
@@ -1736,8 +1736,8 @@
         </p:nvSpPr>
         <p:spPr>
           <a:xfrm>
-            <a:off x="1440000" y="792000"/>
-            <a:ext cx="71640" cy="647640"/>
+            <a:off x="1717560" y="792000"/>
+            <a:ext cx="161640" cy="1479240"/>
           </a:xfrm>
           <a:prstGeom prst="rect">
             <a:avLst/>
@@ -1766,8 +1766,8 @@
         </p:nvSpPr>
         <p:spPr>
           <a:xfrm>
-            <a:off x="1584000" y="792000"/>
-            <a:ext cx="71640" cy="647640"/>
+            <a:off x="2047320" y="792000"/>
+            <a:ext cx="160920" cy="1479240"/>
           </a:xfrm>
           <a:prstGeom prst="rect">
             <a:avLst/>
@@ -1796,8 +1796,8 @@
         </p:nvSpPr>
         <p:spPr>
           <a:xfrm>
-            <a:off x="1728000" y="792000"/>
-            <a:ext cx="71640" cy="647640"/>
+            <a:off x="2376360" y="792000"/>
+            <a:ext cx="161640" cy="1479240"/>
           </a:xfrm>
           <a:prstGeom prst="rect">
             <a:avLst/>
@@ -1826,8 +1826,8 @@
         </p:nvSpPr>
         <p:spPr>
           <a:xfrm rot="3468000">
-            <a:off x="1506240" y="779040"/>
-            <a:ext cx="71640" cy="647640"/>
+            <a:off x="1869480" y="759240"/>
+            <a:ext cx="161280" cy="1479240"/>
           </a:xfrm>
           <a:prstGeom prst="rect">
             <a:avLst/>
@@ -1856,8 +1856,8 @@
         </p:nvSpPr>
         <p:spPr>
           <a:xfrm>
-            <a:off x="2206800" y="792000"/>
-            <a:ext cx="71640" cy="647640"/>
+            <a:off x="3472200" y="792000"/>
+            <a:ext cx="160920" cy="1479240"/>
           </a:xfrm>
           <a:prstGeom prst="rect">
             <a:avLst/>
@@ -1886,8 +1886,8 @@
         </p:nvSpPr>
         <p:spPr>
           <a:xfrm>
-            <a:off x="2350800" y="792000"/>
-            <a:ext cx="71640" cy="647640"/>
+            <a:off x="3801240" y="792000"/>
+            <a:ext cx="161640" cy="1479240"/>
           </a:xfrm>
           <a:prstGeom prst="rect">
             <a:avLst/>
@@ -1916,8 +1916,8 @@
         </p:nvSpPr>
         <p:spPr>
           <a:xfrm>
-            <a:off x="2494800" y="792000"/>
-            <a:ext cx="71640" cy="647640"/>
+            <a:off x="4131000" y="792000"/>
+            <a:ext cx="160920" cy="1479240"/>
           </a:xfrm>
           <a:prstGeom prst="rect">
             <a:avLst/>
@@ -1946,8 +1946,8 @@
         </p:nvSpPr>
         <p:spPr>
           <a:xfrm>
-            <a:off x="2638800" y="792000"/>
-            <a:ext cx="71640" cy="647640"/>
+            <a:off x="4460040" y="792000"/>
+            <a:ext cx="161640" cy="1479240"/>
           </a:xfrm>
           <a:prstGeom prst="rect">
             <a:avLst/>
@@ -1976,8 +1976,8 @@
         </p:nvSpPr>
         <p:spPr>
           <a:xfrm rot="3468000">
-            <a:off x="2417040" y="779040"/>
-            <a:ext cx="71640" cy="647640"/>
+            <a:off x="3953160" y="759240"/>
+            <a:ext cx="161280" cy="1479240"/>
           </a:xfrm>
           <a:prstGeom prst="rect">
             <a:avLst/>
@@ -2006,8 +2006,8 @@
         </p:nvSpPr>
         <p:spPr>
           <a:xfrm>
-            <a:off x="3142800" y="792000"/>
-            <a:ext cx="71640" cy="647640"/>
+            <a:off x="5613120" y="792000"/>
+            <a:ext cx="161280" cy="1479240"/>
           </a:xfrm>
           <a:prstGeom prst="rect">
             <a:avLst/>
@@ -2036,8 +2036,8 @@
         </p:nvSpPr>
         <p:spPr>
           <a:xfrm>
-            <a:off x="3286800" y="792000"/>
-            <a:ext cx="71640" cy="647640"/>
+            <a:off x="5942520" y="792000"/>
+            <a:ext cx="161640" cy="1479240"/>
           </a:xfrm>
           <a:prstGeom prst="rect">
             <a:avLst/>
@@ -2066,8 +2066,8 @@
         </p:nvSpPr>
         <p:spPr>
           <a:xfrm>
-            <a:off x="3430800" y="792000"/>
-            <a:ext cx="71640" cy="647640"/>
+            <a:off x="6271920" y="792000"/>
+            <a:ext cx="161280" cy="1479240"/>
           </a:xfrm>
           <a:prstGeom prst="rect">
             <a:avLst/>
@@ -2096,8 +2096,8 @@
         </p:nvSpPr>
         <p:spPr>
           <a:xfrm>
-            <a:off x="3574800" y="792000"/>
-            <a:ext cx="71640" cy="647640"/>
+            <a:off x="6601320" y="792000"/>
+            <a:ext cx="161640" cy="1479240"/>
           </a:xfrm>
           <a:prstGeom prst="rect">
             <a:avLst/>
@@ -2126,8 +2126,8 @@
         </p:nvSpPr>
         <p:spPr>
           <a:xfrm rot="3468000">
-            <a:off x="3353040" y="779040"/>
-            <a:ext cx="71640" cy="647640"/>
+            <a:off x="6094440" y="759240"/>
+            <a:ext cx="161280" cy="1479240"/>
           </a:xfrm>
           <a:prstGeom prst="rect">
             <a:avLst/>
@@ -2156,8 +2156,8 @@
         </p:nvSpPr>
         <p:spPr>
           <a:xfrm>
-            <a:off x="4053600" y="792000"/>
-            <a:ext cx="71640" cy="647640"/>
+            <a:off x="7696800" y="792000"/>
+            <a:ext cx="161280" cy="1479240"/>
           </a:xfrm>
           <a:prstGeom prst="rect">
             <a:avLst/>
@@ -2186,8 +2186,8 @@
         </p:nvSpPr>
         <p:spPr>
           <a:xfrm>
-            <a:off x="4197600" y="792000"/>
-            <a:ext cx="71640" cy="647640"/>
+            <a:off x="8026200" y="792000"/>
+            <a:ext cx="161640" cy="1479240"/>
           </a:xfrm>
           <a:prstGeom prst="rect">
             <a:avLst/>
@@ -2216,8 +2216,8 @@
         </p:nvSpPr>
         <p:spPr>
           <a:xfrm>
-            <a:off x="4341600" y="792000"/>
-            <a:ext cx="71640" cy="647640"/>
+            <a:off x="8355600" y="792000"/>
+            <a:ext cx="161280" cy="1479240"/>
           </a:xfrm>
           <a:prstGeom prst="rect">
             <a:avLst/>
@@ -2246,8 +2246,8 @@
         </p:nvSpPr>
         <p:spPr>
           <a:xfrm>
-            <a:off x="4485600" y="792000"/>
-            <a:ext cx="71640" cy="647640"/>
+            <a:off x="8685000" y="792000"/>
+            <a:ext cx="161640" cy="1479240"/>
           </a:xfrm>
           <a:prstGeom prst="rect">
             <a:avLst/>
@@ -2276,8 +2276,8 @@
         </p:nvSpPr>
         <p:spPr>
           <a:xfrm rot="3468000">
-            <a:off x="4263840" y="779040"/>
-            <a:ext cx="71640" cy="647640"/>
+            <a:off x="8178120" y="759240"/>
+            <a:ext cx="161280" cy="1479240"/>
           </a:xfrm>
           <a:prstGeom prst="rect">
             <a:avLst/>
@@ -2306,8 +2306,8 @@
         </p:nvSpPr>
         <p:spPr>
           <a:xfrm>
-            <a:off x="3142800" y="792000"/>
-            <a:ext cx="71640" cy="647640"/>
+            <a:off x="5613120" y="792000"/>
+            <a:ext cx="161280" cy="1479240"/>
           </a:xfrm>
           <a:prstGeom prst="rect">
             <a:avLst/>
@@ -2336,14 +2336,14 @@
         </p:nvSpPr>
         <p:spPr>
           <a:xfrm>
-            <a:off x="3286800" y="792000"/>
-            <a:ext cx="71640" cy="647640"/>
-          </a:xfrm>
-          <a:prstGeom prst="rect">
-            <a:avLst/>
-          </a:prstGeom>
-          <a:solidFill>
-            <a:srgbClr val="ffffff"/>
+            <a:off x="5942520" y="792000"/>
+            <a:ext cx="161640" cy="1479240"/>
+          </a:xfrm>
+          <a:prstGeom prst="rect">
+            <a:avLst/>
+          </a:prstGeom>
+          <a:solidFill>
+            <a:srgbClr val="000000"/>
           </a:solidFill>
           <a:ln>
             <a:solidFill>
@@ -2366,14 +2366,14 @@
         </p:nvSpPr>
         <p:spPr>
           <a:xfrm>
-            <a:off x="3430800" y="792000"/>
-            <a:ext cx="71640" cy="647640"/>
-          </a:xfrm>
-          <a:prstGeom prst="rect">
-            <a:avLst/>
-          </a:prstGeom>
-          <a:solidFill>
-            <a:srgbClr val="ffffff"/>
+            <a:off x="6271920" y="792000"/>
+            <a:ext cx="161280" cy="1479240"/>
+          </a:xfrm>
+          <a:prstGeom prst="rect">
+            <a:avLst/>
+          </a:prstGeom>
+          <a:solidFill>
+            <a:srgbClr val="000000"/>
           </a:solidFill>
           <a:ln>
             <a:solidFill>
@@ -2396,14 +2396,14 @@
         </p:nvSpPr>
         <p:spPr>
           <a:xfrm>
-            <a:off x="3574800" y="792000"/>
-            <a:ext cx="71640" cy="647640"/>
-          </a:xfrm>
-          <a:prstGeom prst="rect">
-            <a:avLst/>
-          </a:prstGeom>
-          <a:solidFill>
-            <a:srgbClr val="ffffff"/>
+            <a:off x="6601320" y="792000"/>
+            <a:ext cx="161640" cy="1479240"/>
+          </a:xfrm>
+          <a:prstGeom prst="rect">
+            <a:avLst/>
+          </a:prstGeom>
+          <a:solidFill>
+            <a:srgbClr val="000000"/>
           </a:solidFill>
           <a:ln>
             <a:solidFill>
@@ -2426,14 +2426,14 @@
         </p:nvSpPr>
         <p:spPr>
           <a:xfrm rot="3468000">
-            <a:off x="3353040" y="779040"/>
-            <a:ext cx="71640" cy="647640"/>
-          </a:xfrm>
-          <a:prstGeom prst="rect">
-            <a:avLst/>
-          </a:prstGeom>
-          <a:solidFill>
-            <a:srgbClr val="ffffff"/>
+            <a:off x="6094440" y="759240"/>
+            <a:ext cx="161280" cy="1479240"/>
+          </a:xfrm>
+          <a:prstGeom prst="rect">
+            <a:avLst/>
+          </a:prstGeom>
+          <a:solidFill>
+            <a:srgbClr val="000000"/>
           </a:solidFill>
           <a:ln>
             <a:solidFill>
@@ -2456,14 +2456,14 @@
         </p:nvSpPr>
         <p:spPr>
           <a:xfrm>
-            <a:off x="4053600" y="792000"/>
-            <a:ext cx="71640" cy="647640"/>
-          </a:xfrm>
-          <a:prstGeom prst="rect">
-            <a:avLst/>
-          </a:prstGeom>
-          <a:solidFill>
-            <a:srgbClr val="ffffff"/>
+            <a:off x="7696800" y="792000"/>
+            <a:ext cx="161280" cy="1479240"/>
+          </a:xfrm>
+          <a:prstGeom prst="rect">
+            <a:avLst/>
+          </a:prstGeom>
+          <a:solidFill>
+            <a:srgbClr val="000000"/>
           </a:solidFill>
           <a:ln>
             <a:solidFill>
@@ -2486,8 +2486,8 @@
         </p:nvSpPr>
         <p:spPr>
           <a:xfrm>
-            <a:off x="4197600" y="792000"/>
-            <a:ext cx="71640" cy="647640"/>
+            <a:off x="8026200" y="792000"/>
+            <a:ext cx="161640" cy="1479240"/>
           </a:xfrm>
           <a:prstGeom prst="rect">
             <a:avLst/>
@@ -2516,8 +2516,8 @@
         </p:nvSpPr>
         <p:spPr>
           <a:xfrm>
-            <a:off x="4341600" y="792000"/>
-            <a:ext cx="71640" cy="647640"/>
+            <a:off x="8355600" y="792000"/>
+            <a:ext cx="161280" cy="1479240"/>
           </a:xfrm>
           <a:prstGeom prst="rect">
             <a:avLst/>
@@ -2546,8 +2546,8 @@
         </p:nvSpPr>
         <p:spPr>
           <a:xfrm>
-            <a:off x="4485600" y="792000"/>
-            <a:ext cx="71640" cy="647640"/>
+            <a:off x="8685000" y="792000"/>
+            <a:ext cx="161640" cy="1479240"/>
           </a:xfrm>
           <a:prstGeom prst="rect">
             <a:avLst/>
@@ -2576,8 +2576,8 @@
         </p:nvSpPr>
         <p:spPr>
           <a:xfrm rot="3468000">
-            <a:off x="4263840" y="779040"/>
-            <a:ext cx="71640" cy="647640"/>
+            <a:off x="8178120" y="759240"/>
+            <a:ext cx="161280" cy="1479240"/>
           </a:xfrm>
           <a:prstGeom prst="rect">
             <a:avLst/>
@@ -2606,8 +2606,8 @@
         </p:nvSpPr>
         <p:spPr>
           <a:xfrm>
-            <a:off x="1285200" y="1728000"/>
-            <a:ext cx="71640" cy="647640"/>
+            <a:off x="1363320" y="2933280"/>
+            <a:ext cx="161640" cy="1479240"/>
           </a:xfrm>
           <a:prstGeom prst="rect">
             <a:avLst/>
@@ -2636,8 +2636,8 @@
         </p:nvSpPr>
         <p:spPr>
           <a:xfrm>
-            <a:off x="1429200" y="1728000"/>
-            <a:ext cx="71640" cy="647640"/>
+            <a:off x="1693080" y="2933280"/>
+            <a:ext cx="161640" cy="1479240"/>
           </a:xfrm>
           <a:prstGeom prst="rect">
             <a:avLst/>
@@ -2666,8 +2666,8 @@
         </p:nvSpPr>
         <p:spPr>
           <a:xfrm>
-            <a:off x="1573200" y="1728000"/>
-            <a:ext cx="71640" cy="647640"/>
+            <a:off x="2022480" y="2933280"/>
+            <a:ext cx="161280" cy="1479240"/>
           </a:xfrm>
           <a:prstGeom prst="rect">
             <a:avLst/>
@@ -2696,8 +2696,8 @@
         </p:nvSpPr>
         <p:spPr>
           <a:xfrm>
-            <a:off x="1717200" y="1728000"/>
-            <a:ext cx="71640" cy="647640"/>
+            <a:off x="2351880" y="2933280"/>
+            <a:ext cx="161640" cy="1479240"/>
           </a:xfrm>
           <a:prstGeom prst="rect">
             <a:avLst/>
@@ -2726,8 +2726,8 @@
         </p:nvSpPr>
         <p:spPr>
           <a:xfrm rot="3468000">
-            <a:off x="1495440" y="1715040"/>
-            <a:ext cx="71640" cy="647640"/>
+            <a:off x="1845000" y="2900520"/>
+            <a:ext cx="161280" cy="1479240"/>
           </a:xfrm>
           <a:prstGeom prst="rect">
             <a:avLst/>
@@ -2756,8 +2756,8 @@
         </p:nvSpPr>
         <p:spPr>
           <a:xfrm>
-            <a:off x="2196000" y="1728000"/>
-            <a:ext cx="71640" cy="647640"/>
+            <a:off x="3447000" y="2933280"/>
+            <a:ext cx="161640" cy="1479240"/>
           </a:xfrm>
           <a:prstGeom prst="rect">
             <a:avLst/>
@@ -2786,8 +2786,8 @@
         </p:nvSpPr>
         <p:spPr>
           <a:xfrm>
-            <a:off x="2340000" y="1728000"/>
-            <a:ext cx="71640" cy="647640"/>
+            <a:off x="3776760" y="2933280"/>
+            <a:ext cx="160920" cy="1479240"/>
           </a:xfrm>
           <a:prstGeom prst="rect">
             <a:avLst/>
@@ -2816,8 +2816,8 @@
         </p:nvSpPr>
         <p:spPr>
           <a:xfrm>
-            <a:off x="2484000" y="1728000"/>
-            <a:ext cx="71640" cy="647640"/>
+            <a:off x="4105800" y="2933280"/>
+            <a:ext cx="161640" cy="1479240"/>
           </a:xfrm>
           <a:prstGeom prst="rect">
             <a:avLst/>
@@ -2846,8 +2846,8 @@
         </p:nvSpPr>
         <p:spPr>
           <a:xfrm>
-            <a:off x="2628000" y="1728000"/>
-            <a:ext cx="71640" cy="647640"/>
+            <a:off x="4435560" y="2933280"/>
+            <a:ext cx="161640" cy="1479240"/>
           </a:xfrm>
           <a:prstGeom prst="rect">
             <a:avLst/>
@@ -2876,8 +2876,8 @@
         </p:nvSpPr>
         <p:spPr>
           <a:xfrm rot="3468000">
-            <a:off x="2406240" y="1715040"/>
-            <a:ext cx="71640" cy="647640"/>
+            <a:off x="3929400" y="2901960"/>
+            <a:ext cx="161280" cy="1478880"/>
           </a:xfrm>
           <a:prstGeom prst="rect">
             <a:avLst/>
@@ -2906,8 +2906,8 @@
         </p:nvSpPr>
         <p:spPr>
           <a:xfrm>
-            <a:off x="1285200" y="1728000"/>
-            <a:ext cx="71640" cy="647640"/>
+            <a:off x="1363320" y="2933280"/>
+            <a:ext cx="161640" cy="1479240"/>
           </a:xfrm>
           <a:prstGeom prst="rect">
             <a:avLst/>
@@ -2936,8 +2936,8 @@
         </p:nvSpPr>
         <p:spPr>
           <a:xfrm>
-            <a:off x="1429200" y="1728000"/>
-            <a:ext cx="71640" cy="647640"/>
+            <a:off x="1693080" y="2933280"/>
+            <a:ext cx="161640" cy="1479240"/>
           </a:xfrm>
           <a:prstGeom prst="rect">
             <a:avLst/>
@@ -2966,8 +2966,8 @@
         </p:nvSpPr>
         <p:spPr>
           <a:xfrm>
-            <a:off x="1573200" y="1728000"/>
-            <a:ext cx="71640" cy="647640"/>
+            <a:off x="2022480" y="2933280"/>
+            <a:ext cx="161280" cy="1479240"/>
           </a:xfrm>
           <a:prstGeom prst="rect">
             <a:avLst/>
@@ -2996,8 +2996,8 @@
         </p:nvSpPr>
         <p:spPr>
           <a:xfrm>
-            <a:off x="1717200" y="1728000"/>
-            <a:ext cx="71640" cy="647640"/>
+            <a:off x="2351880" y="2933280"/>
+            <a:ext cx="161640" cy="1479240"/>
           </a:xfrm>
           <a:prstGeom prst="rect">
             <a:avLst/>
@@ -3026,8 +3026,8 @@
         </p:nvSpPr>
         <p:spPr>
           <a:xfrm rot="3468000">
-            <a:off x="1495440" y="1715040"/>
-            <a:ext cx="71640" cy="647640"/>
+            <a:off x="1845000" y="2900520"/>
+            <a:ext cx="161280" cy="1479240"/>
           </a:xfrm>
           <a:prstGeom prst="rect">
             <a:avLst/>
@@ -3056,8 +3056,8 @@
         </p:nvSpPr>
         <p:spPr>
           <a:xfrm>
-            <a:off x="2196000" y="1728000"/>
-            <a:ext cx="71640" cy="647640"/>
+            <a:off x="3447000" y="2933280"/>
+            <a:ext cx="161640" cy="1479240"/>
           </a:xfrm>
           <a:prstGeom prst="rect">
             <a:avLst/>
@@ -3086,8 +3086,8 @@
         </p:nvSpPr>
         <p:spPr>
           <a:xfrm>
-            <a:off x="2340000" y="1728000"/>
-            <a:ext cx="71640" cy="647640"/>
+            <a:off x="3776760" y="2933280"/>
+            <a:ext cx="160920" cy="1479240"/>
           </a:xfrm>
           <a:prstGeom prst="rect">
             <a:avLst/>
@@ -3116,8 +3116,8 @@
         </p:nvSpPr>
         <p:spPr>
           <a:xfrm>
-            <a:off x="2484000" y="1728000"/>
-            <a:ext cx="71640" cy="647640"/>
+            <a:off x="4105800" y="2933280"/>
+            <a:ext cx="161640" cy="1479240"/>
           </a:xfrm>
           <a:prstGeom prst="rect">
             <a:avLst/>
@@ -3146,8 +3146,8 @@
         </p:nvSpPr>
         <p:spPr>
           <a:xfrm>
-            <a:off x="2628000" y="1728000"/>
-            <a:ext cx="71640" cy="647640"/>
+            <a:off x="4435560" y="2933280"/>
+            <a:ext cx="161640" cy="1479240"/>
           </a:xfrm>
           <a:prstGeom prst="rect">
             <a:avLst/>
@@ -3176,8 +3176,8 @@
         </p:nvSpPr>
         <p:spPr>
           <a:xfrm rot="3468000">
-            <a:off x="2406240" y="1715040"/>
-            <a:ext cx="71640" cy="647640"/>
+            <a:off x="3929400" y="2901960"/>
+            <a:ext cx="161280" cy="1478880"/>
           </a:xfrm>
           <a:prstGeom prst="rect">
             <a:avLst/>
@@ -3206,8 +3206,8 @@
         </p:nvSpPr>
         <p:spPr>
           <a:xfrm>
-            <a:off x="3142800" y="1728000"/>
-            <a:ext cx="71640" cy="647640"/>
+            <a:off x="5613120" y="2933280"/>
+            <a:ext cx="161280" cy="1479240"/>
           </a:xfrm>
           <a:prstGeom prst="rect">
             <a:avLst/>
@@ -3236,8 +3236,8 @@
         </p:nvSpPr>
         <p:spPr>
           <a:xfrm>
-            <a:off x="3286800" y="1728000"/>
-            <a:ext cx="71640" cy="647640"/>
+            <a:off x="5942520" y="2933280"/>
+            <a:ext cx="161640" cy="1479240"/>
           </a:xfrm>
           <a:prstGeom prst="rect">
             <a:avLst/>
@@ -3266,8 +3266,8 @@
         </p:nvSpPr>
         <p:spPr>
           <a:xfrm>
-            <a:off x="3430800" y="1728000"/>
-            <a:ext cx="71640" cy="647640"/>
+            <a:off x="6271920" y="2933280"/>
+            <a:ext cx="161280" cy="1479240"/>
           </a:xfrm>
           <a:prstGeom prst="rect">
             <a:avLst/>
@@ -3296,8 +3296,8 @@
         </p:nvSpPr>
         <p:spPr>
           <a:xfrm>
-            <a:off x="3574800" y="1728000"/>
-            <a:ext cx="71640" cy="647640"/>
+            <a:off x="6601320" y="2933280"/>
+            <a:ext cx="161640" cy="1479240"/>
           </a:xfrm>
           <a:prstGeom prst="rect">
             <a:avLst/>
@@ -3326,8 +3326,8 @@
         </p:nvSpPr>
         <p:spPr>
           <a:xfrm rot="3468000">
-            <a:off x="3353040" y="1715040"/>
-            <a:ext cx="71640" cy="647640"/>
+            <a:off x="6094440" y="2900520"/>
+            <a:ext cx="161280" cy="1479240"/>
           </a:xfrm>
           <a:prstGeom prst="rect">
             <a:avLst/>
@@ -3356,8 +3356,8 @@
         </p:nvSpPr>
         <p:spPr>
           <a:xfrm>
-            <a:off x="4053600" y="1728000"/>
-            <a:ext cx="71640" cy="647640"/>
+            <a:off x="7696800" y="2933280"/>
+            <a:ext cx="161280" cy="1479240"/>
           </a:xfrm>
           <a:prstGeom prst="rect">
             <a:avLst/>
@@ -3386,8 +3386,8 @@
         </p:nvSpPr>
         <p:spPr>
           <a:xfrm>
-            <a:off x="4197600" y="1728000"/>
-            <a:ext cx="71640" cy="647640"/>
+            <a:off x="8026200" y="2933280"/>
+            <a:ext cx="161640" cy="1479240"/>
           </a:xfrm>
           <a:prstGeom prst="rect">
             <a:avLst/>
@@ -3416,8 +3416,8 @@
         </p:nvSpPr>
         <p:spPr>
           <a:xfrm>
-            <a:off x="4341600" y="1728000"/>
-            <a:ext cx="71640" cy="647640"/>
+            <a:off x="8355600" y="2933280"/>
+            <a:ext cx="161280" cy="1479240"/>
           </a:xfrm>
           <a:prstGeom prst="rect">
             <a:avLst/>
@@ -3446,8 +3446,8 @@
         </p:nvSpPr>
         <p:spPr>
           <a:xfrm>
-            <a:off x="4485600" y="1728000"/>
-            <a:ext cx="71640" cy="647640"/>
+            <a:off x="8685000" y="2933280"/>
+            <a:ext cx="161640" cy="1479240"/>
           </a:xfrm>
           <a:prstGeom prst="rect">
             <a:avLst/>
@@ -3476,8 +3476,8 @@
         </p:nvSpPr>
         <p:spPr>
           <a:xfrm rot="3468000">
-            <a:off x="4263840" y="1715040"/>
-            <a:ext cx="71640" cy="647640"/>
+            <a:off x="8178120" y="2900520"/>
+            <a:ext cx="161280" cy="1479240"/>
           </a:xfrm>
           <a:prstGeom prst="rect">
             <a:avLst/>
@@ -3506,8 +3506,8 @@
         </p:nvSpPr>
         <p:spPr>
           <a:xfrm>
-            <a:off x="3142800" y="1728000"/>
-            <a:ext cx="71640" cy="647640"/>
+            <a:off x="5613120" y="2933280"/>
+            <a:ext cx="161280" cy="1479240"/>
           </a:xfrm>
           <a:prstGeom prst="rect">
             <a:avLst/>
@@ -3536,8 +3536,8 @@
         </p:nvSpPr>
         <p:spPr>
           <a:xfrm>
-            <a:off x="3286800" y="1728000"/>
-            <a:ext cx="71640" cy="647640"/>
+            <a:off x="5942520" y="2933280"/>
+            <a:ext cx="161640" cy="1479240"/>
           </a:xfrm>
           <a:prstGeom prst="rect">
             <a:avLst/>
@@ -3566,8 +3566,8 @@
         </p:nvSpPr>
         <p:spPr>
           <a:xfrm>
-            <a:off x="3430800" y="1728000"/>
-            <a:ext cx="71640" cy="647640"/>
+            <a:off x="6271920" y="2933280"/>
+            <a:ext cx="161280" cy="1479240"/>
           </a:xfrm>
           <a:prstGeom prst="rect">
             <a:avLst/>
@@ -3596,8 +3596,8 @@
         </p:nvSpPr>
         <p:spPr>
           <a:xfrm>
-            <a:off x="3574800" y="1728000"/>
-            <a:ext cx="71640" cy="647640"/>
+            <a:off x="6601320" y="2933280"/>
+            <a:ext cx="161640" cy="1479240"/>
           </a:xfrm>
           <a:prstGeom prst="rect">
             <a:avLst/>
@@ -3626,8 +3626,8 @@
         </p:nvSpPr>
         <p:spPr>
           <a:xfrm rot="3468000">
-            <a:off x="3353040" y="1715040"/>
-            <a:ext cx="71640" cy="647640"/>
+            <a:off x="6094440" y="2900520"/>
+            <a:ext cx="161280" cy="1479240"/>
           </a:xfrm>
           <a:prstGeom prst="rect">
             <a:avLst/>
@@ -3656,8 +3656,8 @@
         </p:nvSpPr>
         <p:spPr>
           <a:xfrm>
-            <a:off x="4053600" y="1728000"/>
-            <a:ext cx="71640" cy="647640"/>
+            <a:off x="7696800" y="2933280"/>
+            <a:ext cx="161280" cy="1479240"/>
           </a:xfrm>
           <a:prstGeom prst="rect">
             <a:avLst/>
@@ -3686,8 +3686,8 @@
         </p:nvSpPr>
         <p:spPr>
           <a:xfrm>
-            <a:off x="4197600" y="1728000"/>
-            <a:ext cx="71640" cy="647640"/>
+            <a:off x="8026200" y="2933280"/>
+            <a:ext cx="161640" cy="1479240"/>
           </a:xfrm>
           <a:prstGeom prst="rect">
             <a:avLst/>
@@ -3716,8 +3716,8 @@
         </p:nvSpPr>
         <p:spPr>
           <a:xfrm>
-            <a:off x="4341600" y="1728000"/>
-            <a:ext cx="71640" cy="647640"/>
+            <a:off x="8355600" y="2933280"/>
+            <a:ext cx="161280" cy="1479240"/>
           </a:xfrm>
           <a:prstGeom prst="rect">
             <a:avLst/>
@@ -3746,8 +3746,8 @@
         </p:nvSpPr>
         <p:spPr>
           <a:xfrm>
-            <a:off x="4485600" y="1728000"/>
-            <a:ext cx="71640" cy="647640"/>
+            <a:off x="8685000" y="2933280"/>
+            <a:ext cx="161640" cy="1479240"/>
           </a:xfrm>
           <a:prstGeom prst="rect">
             <a:avLst/>
@@ -3776,8 +3776,8 @@
         </p:nvSpPr>
         <p:spPr>
           <a:xfrm rot="3468000">
-            <a:off x="4263840" y="1715040"/>
-            <a:ext cx="71640" cy="647640"/>
+            <a:off x="8178120" y="2900520"/>
+            <a:ext cx="161280" cy="1479240"/>
           </a:xfrm>
           <a:prstGeom prst="rect">
             <a:avLst/>
@@ -3806,8 +3806,8 @@
         </p:nvSpPr>
         <p:spPr>
           <a:xfrm>
-            <a:off x="1270800" y="2736000"/>
-            <a:ext cx="71640" cy="647640"/>
+            <a:off x="1330920" y="5239440"/>
+            <a:ext cx="160920" cy="1479240"/>
           </a:xfrm>
           <a:prstGeom prst="rect">
             <a:avLst/>
@@ -3836,8 +3836,8 @@
         </p:nvSpPr>
         <p:spPr>
           <a:xfrm>
-            <a:off x="1414800" y="2736000"/>
-            <a:ext cx="71640" cy="647640"/>
+            <a:off x="1659960" y="5239440"/>
+            <a:ext cx="161640" cy="1479240"/>
           </a:xfrm>
           <a:prstGeom prst="rect">
             <a:avLst/>
@@ -3866,8 +3866,8 @@
         </p:nvSpPr>
         <p:spPr>
           <a:xfrm>
-            <a:off x="1558800" y="2736000"/>
-            <a:ext cx="71640" cy="647640"/>
+            <a:off x="1989720" y="5239440"/>
+            <a:ext cx="161280" cy="1479240"/>
           </a:xfrm>
           <a:prstGeom prst="rect">
             <a:avLst/>
@@ -3896,8 +3896,8 @@
         </p:nvSpPr>
         <p:spPr>
           <a:xfrm>
-            <a:off x="1702800" y="2736000"/>
-            <a:ext cx="71640" cy="647640"/>
+            <a:off x="2318760" y="5239440"/>
+            <a:ext cx="161640" cy="1479240"/>
           </a:xfrm>
           <a:prstGeom prst="rect">
             <a:avLst/>
@@ -3926,8 +3926,8 @@
         </p:nvSpPr>
         <p:spPr>
           <a:xfrm rot="3468000">
-            <a:off x="1481040" y="2723040"/>
-            <a:ext cx="71640" cy="647640"/>
+            <a:off x="1811160" y="5205600"/>
+            <a:ext cx="161280" cy="1479240"/>
           </a:xfrm>
           <a:prstGeom prst="rect">
             <a:avLst/>
@@ -3956,8 +3956,8 @@
         </p:nvSpPr>
         <p:spPr>
           <a:xfrm>
-            <a:off x="2181600" y="2736000"/>
-            <a:ext cx="71640" cy="647640"/>
+            <a:off x="3413880" y="5239440"/>
+            <a:ext cx="161640" cy="1479240"/>
           </a:xfrm>
           <a:prstGeom prst="rect">
             <a:avLst/>
@@ -3986,8 +3986,8 @@
         </p:nvSpPr>
         <p:spPr>
           <a:xfrm>
-            <a:off x="2325600" y="2736000"/>
-            <a:ext cx="71640" cy="647640"/>
+            <a:off x="3743640" y="5239440"/>
+            <a:ext cx="161280" cy="1479240"/>
           </a:xfrm>
           <a:prstGeom prst="rect">
             <a:avLst/>
@@ -4016,8 +4016,8 @@
         </p:nvSpPr>
         <p:spPr>
           <a:xfrm>
-            <a:off x="2469600" y="2736000"/>
-            <a:ext cx="71640" cy="647640"/>
+            <a:off x="4073400" y="5239440"/>
+            <a:ext cx="160920" cy="1479240"/>
           </a:xfrm>
           <a:prstGeom prst="rect">
             <a:avLst/>
@@ -4046,8 +4046,8 @@
         </p:nvSpPr>
         <p:spPr>
           <a:xfrm>
-            <a:off x="2613600" y="2736000"/>
-            <a:ext cx="71640" cy="647640"/>
+            <a:off x="4402440" y="5239440"/>
+            <a:ext cx="161640" cy="1479240"/>
           </a:xfrm>
           <a:prstGeom prst="rect">
             <a:avLst/>
@@ -4076,8 +4076,8 @@
         </p:nvSpPr>
         <p:spPr>
           <a:xfrm rot="3468000">
-            <a:off x="2391840" y="2723040"/>
-            <a:ext cx="71640" cy="647640"/>
+            <a:off x="3894840" y="5205600"/>
+            <a:ext cx="161280" cy="1479240"/>
           </a:xfrm>
           <a:prstGeom prst="rect">
             <a:avLst/>
@@ -4106,8 +4106,8 @@
         </p:nvSpPr>
         <p:spPr>
           <a:xfrm>
-            <a:off x="1270800" y="2736000"/>
-            <a:ext cx="71640" cy="647640"/>
+            <a:off x="1330920" y="5239440"/>
+            <a:ext cx="160920" cy="1479240"/>
           </a:xfrm>
           <a:prstGeom prst="rect">
             <a:avLst/>
@@ -4136,8 +4136,8 @@
         </p:nvSpPr>
         <p:spPr>
           <a:xfrm>
-            <a:off x="1414800" y="2736000"/>
-            <a:ext cx="71640" cy="647640"/>
+            <a:off x="1659960" y="5239440"/>
+            <a:ext cx="161640" cy="1479240"/>
           </a:xfrm>
           <a:prstGeom prst="rect">
             <a:avLst/>
@@ -4166,8 +4166,8 @@
         </p:nvSpPr>
         <p:spPr>
           <a:xfrm>
-            <a:off x="1558800" y="2736000"/>
-            <a:ext cx="71640" cy="647640"/>
+            <a:off x="1989720" y="5239440"/>
+            <a:ext cx="161280" cy="1479240"/>
           </a:xfrm>
           <a:prstGeom prst="rect">
             <a:avLst/>
@@ -4196,8 +4196,8 @@
         </p:nvSpPr>
         <p:spPr>
           <a:xfrm>
-            <a:off x="1702800" y="2736000"/>
-            <a:ext cx="71640" cy="647640"/>
+            <a:off x="2318760" y="5239440"/>
+            <a:ext cx="161640" cy="1479240"/>
           </a:xfrm>
           <a:prstGeom prst="rect">
             <a:avLst/>
@@ -4226,8 +4226,8 @@
         </p:nvSpPr>
         <p:spPr>
           <a:xfrm rot="3468000">
-            <a:off x="1481040" y="2723040"/>
-            <a:ext cx="71640" cy="647640"/>
+            <a:off x="1811160" y="5205600"/>
+            <a:ext cx="161280" cy="1479240"/>
           </a:xfrm>
           <a:prstGeom prst="rect">
             <a:avLst/>
@@ -4256,8 +4256,8 @@
         </p:nvSpPr>
         <p:spPr>
           <a:xfrm>
-            <a:off x="2181600" y="2736000"/>
-            <a:ext cx="71640" cy="647640"/>
+            <a:off x="3413880" y="5239440"/>
+            <a:ext cx="161640" cy="1479240"/>
           </a:xfrm>
           <a:prstGeom prst="rect">
             <a:avLst/>
@@ -4286,8 +4286,8 @@
         </p:nvSpPr>
         <p:spPr>
           <a:xfrm>
-            <a:off x="2325600" y="2736000"/>
-            <a:ext cx="71640" cy="647640"/>
+            <a:off x="3743640" y="5239440"/>
+            <a:ext cx="161280" cy="1479240"/>
           </a:xfrm>
           <a:prstGeom prst="rect">
             <a:avLst/>
@@ -4316,8 +4316,8 @@
         </p:nvSpPr>
         <p:spPr>
           <a:xfrm>
-            <a:off x="2469600" y="2736000"/>
-            <a:ext cx="71640" cy="647640"/>
+            <a:off x="4073400" y="5239440"/>
+            <a:ext cx="160920" cy="1479240"/>
           </a:xfrm>
           <a:prstGeom prst="rect">
             <a:avLst/>
@@ -4346,8 +4346,8 @@
         </p:nvSpPr>
         <p:spPr>
           <a:xfrm>
-            <a:off x="2613600" y="2736000"/>
-            <a:ext cx="71640" cy="647640"/>
+            <a:off x="4402440" y="5239440"/>
+            <a:ext cx="161640" cy="1479240"/>
           </a:xfrm>
           <a:prstGeom prst="rect">
             <a:avLst/>
@@ -4376,8 +4376,8 @@
         </p:nvSpPr>
         <p:spPr>
           <a:xfrm rot="3468000">
-            <a:off x="2391840" y="2723040"/>
-            <a:ext cx="71640" cy="647640"/>
+            <a:off x="3894840" y="5205600"/>
+            <a:ext cx="161280" cy="1479240"/>
           </a:xfrm>
           <a:prstGeom prst="rect">
             <a:avLst/>
@@ -4406,8 +4406,8 @@
         </p:nvSpPr>
         <p:spPr>
           <a:xfrm>
-            <a:off x="3142800" y="2736000"/>
-            <a:ext cx="71640" cy="647640"/>
+            <a:off x="5613120" y="5239440"/>
+            <a:ext cx="161280" cy="1479240"/>
           </a:xfrm>
           <a:prstGeom prst="rect">
             <a:avLst/>
@@ -4436,8 +4436,8 @@
         </p:nvSpPr>
         <p:spPr>
           <a:xfrm>
-            <a:off x="3286800" y="2736000"/>
-            <a:ext cx="71640" cy="647640"/>
+            <a:off x="5942520" y="5239440"/>
+            <a:ext cx="161640" cy="1479240"/>
           </a:xfrm>
           <a:prstGeom prst="rect">
             <a:avLst/>
@@ -4466,8 +4466,8 @@
         </p:nvSpPr>
         <p:spPr>
           <a:xfrm>
-            <a:off x="3430800" y="2736000"/>
-            <a:ext cx="71640" cy="647640"/>
+            <a:off x="6271920" y="5239440"/>
+            <a:ext cx="161280" cy="1479240"/>
           </a:xfrm>
           <a:prstGeom prst="rect">
             <a:avLst/>
@@ -4496,8 +4496,8 @@
         </p:nvSpPr>
         <p:spPr>
           <a:xfrm>
-            <a:off x="3574800" y="2736000"/>
-            <a:ext cx="71640" cy="647640"/>
+            <a:off x="6601320" y="5239440"/>
+            <a:ext cx="161640" cy="1479240"/>
           </a:xfrm>
           <a:prstGeom prst="rect">
             <a:avLst/>
@@ -4526,8 +4526,8 @@
         </p:nvSpPr>
         <p:spPr>
           <a:xfrm rot="3468000">
-            <a:off x="3353040" y="2723040"/>
-            <a:ext cx="71640" cy="647640"/>
+            <a:off x="6093720" y="5205600"/>
+            <a:ext cx="161280" cy="1479240"/>
           </a:xfrm>
           <a:prstGeom prst="rect">
             <a:avLst/>
@@ -4556,8 +4556,8 @@
         </p:nvSpPr>
         <p:spPr>
           <a:xfrm>
-            <a:off x="3142800" y="2736000"/>
-            <a:ext cx="71640" cy="647640"/>
+            <a:off x="5613120" y="5239440"/>
+            <a:ext cx="161280" cy="1479240"/>
           </a:xfrm>
           <a:prstGeom prst="rect">
             <a:avLst/>
@@ -4586,8 +4586,8 @@
         </p:nvSpPr>
         <p:spPr>
           <a:xfrm>
-            <a:off x="3286800" y="2736000"/>
-            <a:ext cx="71640" cy="647640"/>
+            <a:off x="5942520" y="5239440"/>
+            <a:ext cx="161640" cy="1479240"/>
           </a:xfrm>
           <a:prstGeom prst="rect">
             <a:avLst/>
@@ -4616,8 +4616,8 @@
         </p:nvSpPr>
         <p:spPr>
           <a:xfrm>
-            <a:off x="3430800" y="2736000"/>
-            <a:ext cx="71640" cy="647640"/>
+            <a:off x="6271920" y="5239440"/>
+            <a:ext cx="161280" cy="1479240"/>
           </a:xfrm>
           <a:prstGeom prst="rect">
             <a:avLst/>
@@ -4646,8 +4646,8 @@
         </p:nvSpPr>
         <p:spPr>
           <a:xfrm>
-            <a:off x="3574800" y="2736000"/>
-            <a:ext cx="71640" cy="647640"/>
+            <a:off x="6601320" y="5239440"/>
+            <a:ext cx="161640" cy="1479240"/>
           </a:xfrm>
           <a:prstGeom prst="rect">
             <a:avLst/>
@@ -4676,8 +4676,8 @@
         </p:nvSpPr>
         <p:spPr>
           <a:xfrm rot="3468000">
-            <a:off x="3353040" y="2723040"/>
-            <a:ext cx="71640" cy="647640"/>
+            <a:off x="6093720" y="5205600"/>
+            <a:ext cx="161280" cy="1479240"/>
           </a:xfrm>
           <a:prstGeom prst="rect">
             <a:avLst/>
@@ -4706,8 +4706,8 @@
         </p:nvSpPr>
         <p:spPr>
           <a:xfrm>
-            <a:off x="3142800" y="2736000"/>
-            <a:ext cx="71640" cy="647640"/>
+            <a:off x="5613120" y="5239440"/>
+            <a:ext cx="161280" cy="1479240"/>
           </a:xfrm>
           <a:prstGeom prst="rect">
             <a:avLst/>
@@ -4736,8 +4736,8 @@
         </p:nvSpPr>
         <p:spPr>
           <a:xfrm>
-            <a:off x="4032000" y="2736000"/>
-            <a:ext cx="71640" cy="647640"/>
+            <a:off x="7647480" y="5239440"/>
+            <a:ext cx="161280" cy="1479240"/>
           </a:xfrm>
           <a:prstGeom prst="rect">
             <a:avLst/>

--- a/diet.pptx
+++ b/diet.pptx
@@ -1407,7 +1407,7 @@
         <p:spPr>
           <a:xfrm>
             <a:off x="1388520" y="792000"/>
-            <a:ext cx="160920" cy="1479240"/>
+            <a:ext cx="159840" cy="1478160"/>
           </a:xfrm>
           <a:prstGeom prst="rect">
             <a:avLst/>
@@ -1437,7 +1437,7 @@
         <p:spPr>
           <a:xfrm>
             <a:off x="1717560" y="792000"/>
-            <a:ext cx="161640" cy="1479240"/>
+            <a:ext cx="160560" cy="1478160"/>
           </a:xfrm>
           <a:prstGeom prst="rect">
             <a:avLst/>
@@ -1467,7 +1467,7 @@
         <p:spPr>
           <a:xfrm>
             <a:off x="2047320" y="792000"/>
-            <a:ext cx="160920" cy="1479240"/>
+            <a:ext cx="159840" cy="1478160"/>
           </a:xfrm>
           <a:prstGeom prst="rect">
             <a:avLst/>
@@ -1497,7 +1497,7 @@
         <p:spPr>
           <a:xfrm>
             <a:off x="2376360" y="792000"/>
-            <a:ext cx="161640" cy="1479240"/>
+            <a:ext cx="160560" cy="1478160"/>
           </a:xfrm>
           <a:prstGeom prst="rect">
             <a:avLst/>
@@ -1526,8 +1526,8 @@
         </p:nvSpPr>
         <p:spPr>
           <a:xfrm rot="3468000">
-            <a:off x="1869480" y="759240"/>
-            <a:ext cx="161280" cy="1479240"/>
+            <a:off x="1869480" y="758520"/>
+            <a:ext cx="160200" cy="1478160"/>
           </a:xfrm>
           <a:prstGeom prst="rect">
             <a:avLst/>
@@ -1557,7 +1557,7 @@
         <p:spPr>
           <a:xfrm>
             <a:off x="3472200" y="792000"/>
-            <a:ext cx="160920" cy="1479240"/>
+            <a:ext cx="159840" cy="1478160"/>
           </a:xfrm>
           <a:prstGeom prst="rect">
             <a:avLst/>
@@ -1587,7 +1587,7 @@
         <p:spPr>
           <a:xfrm>
             <a:off x="3801240" y="792000"/>
-            <a:ext cx="161640" cy="1479240"/>
+            <a:ext cx="160560" cy="1478160"/>
           </a:xfrm>
           <a:prstGeom prst="rect">
             <a:avLst/>
@@ -1617,7 +1617,7 @@
         <p:spPr>
           <a:xfrm>
             <a:off x="4131000" y="792000"/>
-            <a:ext cx="160920" cy="1479240"/>
+            <a:ext cx="159840" cy="1478160"/>
           </a:xfrm>
           <a:prstGeom prst="rect">
             <a:avLst/>
@@ -1647,7 +1647,7 @@
         <p:spPr>
           <a:xfrm>
             <a:off x="4460040" y="792000"/>
-            <a:ext cx="161640" cy="1479240"/>
+            <a:ext cx="160560" cy="1478160"/>
           </a:xfrm>
           <a:prstGeom prst="rect">
             <a:avLst/>
@@ -1676,8 +1676,8 @@
         </p:nvSpPr>
         <p:spPr>
           <a:xfrm rot="3468000">
-            <a:off x="3953160" y="759240"/>
-            <a:ext cx="161280" cy="1479240"/>
+            <a:off x="3953160" y="758520"/>
+            <a:ext cx="160200" cy="1478160"/>
           </a:xfrm>
           <a:prstGeom prst="rect">
             <a:avLst/>
@@ -1707,7 +1707,7 @@
         <p:spPr>
           <a:xfrm>
             <a:off x="1388520" y="792000"/>
-            <a:ext cx="160920" cy="1479240"/>
+            <a:ext cx="159840" cy="1478160"/>
           </a:xfrm>
           <a:prstGeom prst="rect">
             <a:avLst/>
@@ -1737,7 +1737,7 @@
         <p:spPr>
           <a:xfrm>
             <a:off x="1717560" y="792000"/>
-            <a:ext cx="161640" cy="1479240"/>
+            <a:ext cx="160560" cy="1478160"/>
           </a:xfrm>
           <a:prstGeom prst="rect">
             <a:avLst/>
@@ -1767,7 +1767,7 @@
         <p:spPr>
           <a:xfrm>
             <a:off x="2047320" y="792000"/>
-            <a:ext cx="160920" cy="1479240"/>
+            <a:ext cx="159840" cy="1478160"/>
           </a:xfrm>
           <a:prstGeom prst="rect">
             <a:avLst/>
@@ -1797,7 +1797,7 @@
         <p:spPr>
           <a:xfrm>
             <a:off x="2376360" y="792000"/>
-            <a:ext cx="161640" cy="1479240"/>
+            <a:ext cx="160560" cy="1478160"/>
           </a:xfrm>
           <a:prstGeom prst="rect">
             <a:avLst/>
@@ -1826,8 +1826,8 @@
         </p:nvSpPr>
         <p:spPr>
           <a:xfrm rot="3468000">
-            <a:off x="1869480" y="759240"/>
-            <a:ext cx="161280" cy="1479240"/>
+            <a:off x="1869480" y="758520"/>
+            <a:ext cx="160200" cy="1478160"/>
           </a:xfrm>
           <a:prstGeom prst="rect">
             <a:avLst/>
@@ -1857,7 +1857,7 @@
         <p:spPr>
           <a:xfrm>
             <a:off x="3472200" y="792000"/>
-            <a:ext cx="160920" cy="1479240"/>
+            <a:ext cx="159840" cy="1478160"/>
           </a:xfrm>
           <a:prstGeom prst="rect">
             <a:avLst/>
@@ -1887,7 +1887,7 @@
         <p:spPr>
           <a:xfrm>
             <a:off x="3801240" y="792000"/>
-            <a:ext cx="161640" cy="1479240"/>
+            <a:ext cx="160560" cy="1478160"/>
           </a:xfrm>
           <a:prstGeom prst="rect">
             <a:avLst/>
@@ -1917,7 +1917,7 @@
         <p:spPr>
           <a:xfrm>
             <a:off x="4131000" y="792000"/>
-            <a:ext cx="160920" cy="1479240"/>
+            <a:ext cx="159840" cy="1478160"/>
           </a:xfrm>
           <a:prstGeom prst="rect">
             <a:avLst/>
@@ -1947,7 +1947,7 @@
         <p:spPr>
           <a:xfrm>
             <a:off x="4460040" y="792000"/>
-            <a:ext cx="161640" cy="1479240"/>
+            <a:ext cx="160560" cy="1478160"/>
           </a:xfrm>
           <a:prstGeom prst="rect">
             <a:avLst/>
@@ -1976,8 +1976,8 @@
         </p:nvSpPr>
         <p:spPr>
           <a:xfrm rot="3468000">
-            <a:off x="3953160" y="759240"/>
-            <a:ext cx="161280" cy="1479240"/>
+            <a:off x="3953160" y="758520"/>
+            <a:ext cx="160200" cy="1478160"/>
           </a:xfrm>
           <a:prstGeom prst="rect">
             <a:avLst/>
@@ -2007,7 +2007,7 @@
         <p:spPr>
           <a:xfrm>
             <a:off x="5613120" y="792000"/>
-            <a:ext cx="161280" cy="1479240"/>
+            <a:ext cx="160200" cy="1478160"/>
           </a:xfrm>
           <a:prstGeom prst="rect">
             <a:avLst/>
@@ -2037,7 +2037,7 @@
         <p:spPr>
           <a:xfrm>
             <a:off x="5942520" y="792000"/>
-            <a:ext cx="161640" cy="1479240"/>
+            <a:ext cx="160560" cy="1478160"/>
           </a:xfrm>
           <a:prstGeom prst="rect">
             <a:avLst/>
@@ -2067,7 +2067,7 @@
         <p:spPr>
           <a:xfrm>
             <a:off x="6271920" y="792000"/>
-            <a:ext cx="161280" cy="1479240"/>
+            <a:ext cx="160200" cy="1478160"/>
           </a:xfrm>
           <a:prstGeom prst="rect">
             <a:avLst/>
@@ -2097,7 +2097,7 @@
         <p:spPr>
           <a:xfrm>
             <a:off x="6601320" y="792000"/>
-            <a:ext cx="161640" cy="1479240"/>
+            <a:ext cx="160560" cy="1478160"/>
           </a:xfrm>
           <a:prstGeom prst="rect">
             <a:avLst/>
@@ -2126,8 +2126,8 @@
         </p:nvSpPr>
         <p:spPr>
           <a:xfrm rot="3468000">
-            <a:off x="6094440" y="759240"/>
-            <a:ext cx="161280" cy="1479240"/>
+            <a:off x="6094440" y="758520"/>
+            <a:ext cx="160200" cy="1478160"/>
           </a:xfrm>
           <a:prstGeom prst="rect">
             <a:avLst/>
@@ -2157,7 +2157,7 @@
         <p:spPr>
           <a:xfrm>
             <a:off x="7696800" y="792000"/>
-            <a:ext cx="161280" cy="1479240"/>
+            <a:ext cx="160200" cy="1478160"/>
           </a:xfrm>
           <a:prstGeom prst="rect">
             <a:avLst/>
@@ -2187,7 +2187,7 @@
         <p:spPr>
           <a:xfrm>
             <a:off x="8026200" y="792000"/>
-            <a:ext cx="161640" cy="1479240"/>
+            <a:ext cx="160560" cy="1478160"/>
           </a:xfrm>
           <a:prstGeom prst="rect">
             <a:avLst/>
@@ -2217,7 +2217,7 @@
         <p:spPr>
           <a:xfrm>
             <a:off x="8355600" y="792000"/>
-            <a:ext cx="161280" cy="1479240"/>
+            <a:ext cx="160200" cy="1478160"/>
           </a:xfrm>
           <a:prstGeom prst="rect">
             <a:avLst/>
@@ -2247,7 +2247,7 @@
         <p:spPr>
           <a:xfrm>
             <a:off x="8685000" y="792000"/>
-            <a:ext cx="161640" cy="1479240"/>
+            <a:ext cx="160560" cy="1478160"/>
           </a:xfrm>
           <a:prstGeom prst="rect">
             <a:avLst/>
@@ -2276,8 +2276,8 @@
         </p:nvSpPr>
         <p:spPr>
           <a:xfrm rot="3468000">
-            <a:off x="8178120" y="759240"/>
-            <a:ext cx="161280" cy="1479240"/>
+            <a:off x="8178120" y="758520"/>
+            <a:ext cx="160200" cy="1478160"/>
           </a:xfrm>
           <a:prstGeom prst="rect">
             <a:avLst/>
@@ -2307,7 +2307,7 @@
         <p:spPr>
           <a:xfrm>
             <a:off x="5613120" y="792000"/>
-            <a:ext cx="161280" cy="1479240"/>
+            <a:ext cx="160200" cy="1478160"/>
           </a:xfrm>
           <a:prstGeom prst="rect">
             <a:avLst/>
@@ -2337,7 +2337,7 @@
         <p:spPr>
           <a:xfrm>
             <a:off x="5942520" y="792000"/>
-            <a:ext cx="161640" cy="1479240"/>
+            <a:ext cx="160560" cy="1478160"/>
           </a:xfrm>
           <a:prstGeom prst="rect">
             <a:avLst/>
@@ -2367,7 +2367,7 @@
         <p:spPr>
           <a:xfrm>
             <a:off x="6271920" y="792000"/>
-            <a:ext cx="161280" cy="1479240"/>
+            <a:ext cx="160200" cy="1478160"/>
           </a:xfrm>
           <a:prstGeom prst="rect">
             <a:avLst/>
@@ -2397,7 +2397,7 @@
         <p:spPr>
           <a:xfrm>
             <a:off x="6601320" y="792000"/>
-            <a:ext cx="161640" cy="1479240"/>
+            <a:ext cx="160560" cy="1478160"/>
           </a:xfrm>
           <a:prstGeom prst="rect">
             <a:avLst/>
@@ -2426,8 +2426,8 @@
         </p:nvSpPr>
         <p:spPr>
           <a:xfrm rot="3468000">
-            <a:off x="6094440" y="759240"/>
-            <a:ext cx="161280" cy="1479240"/>
+            <a:off x="6094440" y="758520"/>
+            <a:ext cx="160200" cy="1478160"/>
           </a:xfrm>
           <a:prstGeom prst="rect">
             <a:avLst/>
@@ -2457,7 +2457,7 @@
         <p:spPr>
           <a:xfrm>
             <a:off x="7696800" y="792000"/>
-            <a:ext cx="161280" cy="1479240"/>
+            <a:ext cx="160200" cy="1478160"/>
           </a:xfrm>
           <a:prstGeom prst="rect">
             <a:avLst/>
@@ -2487,13 +2487,13 @@
         <p:spPr>
           <a:xfrm>
             <a:off x="8026200" y="792000"/>
-            <a:ext cx="161640" cy="1479240"/>
-          </a:xfrm>
-          <a:prstGeom prst="rect">
-            <a:avLst/>
-          </a:prstGeom>
-          <a:solidFill>
-            <a:srgbClr val="ffffff"/>
+            <a:ext cx="160560" cy="1478160"/>
+          </a:xfrm>
+          <a:prstGeom prst="rect">
+            <a:avLst/>
+          </a:prstGeom>
+          <a:solidFill>
+            <a:srgbClr val="000000"/>
           </a:solidFill>
           <a:ln>
             <a:solidFill>
@@ -2517,13 +2517,13 @@
         <p:spPr>
           <a:xfrm>
             <a:off x="8355600" y="792000"/>
-            <a:ext cx="161280" cy="1479240"/>
-          </a:xfrm>
-          <a:prstGeom prst="rect">
-            <a:avLst/>
-          </a:prstGeom>
-          <a:solidFill>
-            <a:srgbClr val="ffffff"/>
+            <a:ext cx="160200" cy="1478160"/>
+          </a:xfrm>
+          <a:prstGeom prst="rect">
+            <a:avLst/>
+          </a:prstGeom>
+          <a:solidFill>
+            <a:srgbClr val="000000"/>
           </a:solidFill>
           <a:ln>
             <a:solidFill>
@@ -2547,13 +2547,13 @@
         <p:spPr>
           <a:xfrm>
             <a:off x="8685000" y="792000"/>
-            <a:ext cx="161640" cy="1479240"/>
-          </a:xfrm>
-          <a:prstGeom prst="rect">
-            <a:avLst/>
-          </a:prstGeom>
-          <a:solidFill>
-            <a:srgbClr val="ffffff"/>
+            <a:ext cx="160560" cy="1478160"/>
+          </a:xfrm>
+          <a:prstGeom prst="rect">
+            <a:avLst/>
+          </a:prstGeom>
+          <a:solidFill>
+            <a:srgbClr val="000000"/>
           </a:solidFill>
           <a:ln>
             <a:solidFill>
@@ -2576,14 +2576,14 @@
         </p:nvSpPr>
         <p:spPr>
           <a:xfrm rot="3468000">
-            <a:off x="8178120" y="759240"/>
-            <a:ext cx="161280" cy="1479240"/>
-          </a:xfrm>
-          <a:prstGeom prst="rect">
-            <a:avLst/>
-          </a:prstGeom>
-          <a:solidFill>
-            <a:srgbClr val="ffffff"/>
+            <a:off x="8178120" y="758520"/>
+            <a:ext cx="160200" cy="1478160"/>
+          </a:xfrm>
+          <a:prstGeom prst="rect">
+            <a:avLst/>
+          </a:prstGeom>
+          <a:solidFill>
+            <a:srgbClr val="000000"/>
           </a:solidFill>
           <a:ln>
             <a:solidFill>
@@ -2607,7 +2607,7 @@
         <p:spPr>
           <a:xfrm>
             <a:off x="1363320" y="2933280"/>
-            <a:ext cx="161640" cy="1479240"/>
+            <a:ext cx="160560" cy="1478160"/>
           </a:xfrm>
           <a:prstGeom prst="rect">
             <a:avLst/>
@@ -2637,7 +2637,7 @@
         <p:spPr>
           <a:xfrm>
             <a:off x="1693080" y="2933280"/>
-            <a:ext cx="161640" cy="1479240"/>
+            <a:ext cx="160560" cy="1478160"/>
           </a:xfrm>
           <a:prstGeom prst="rect">
             <a:avLst/>
@@ -2667,7 +2667,7 @@
         <p:spPr>
           <a:xfrm>
             <a:off x="2022480" y="2933280"/>
-            <a:ext cx="161280" cy="1479240"/>
+            <a:ext cx="160200" cy="1478160"/>
           </a:xfrm>
           <a:prstGeom prst="rect">
             <a:avLst/>
@@ -2697,7 +2697,7 @@
         <p:spPr>
           <a:xfrm>
             <a:off x="2351880" y="2933280"/>
-            <a:ext cx="161640" cy="1479240"/>
+            <a:ext cx="160560" cy="1478160"/>
           </a:xfrm>
           <a:prstGeom prst="rect">
             <a:avLst/>
@@ -2726,8 +2726,8 @@
         </p:nvSpPr>
         <p:spPr>
           <a:xfrm rot="3468000">
-            <a:off x="1845000" y="2900520"/>
-            <a:ext cx="161280" cy="1479240"/>
+            <a:off x="1845000" y="2899800"/>
+            <a:ext cx="160200" cy="1478160"/>
           </a:xfrm>
           <a:prstGeom prst="rect">
             <a:avLst/>
@@ -2757,7 +2757,7 @@
         <p:spPr>
           <a:xfrm>
             <a:off x="3447000" y="2933280"/>
-            <a:ext cx="161640" cy="1479240"/>
+            <a:ext cx="160560" cy="1478160"/>
           </a:xfrm>
           <a:prstGeom prst="rect">
             <a:avLst/>
@@ -2787,7 +2787,7 @@
         <p:spPr>
           <a:xfrm>
             <a:off x="3776760" y="2933280"/>
-            <a:ext cx="160920" cy="1479240"/>
+            <a:ext cx="159840" cy="1478160"/>
           </a:xfrm>
           <a:prstGeom prst="rect">
             <a:avLst/>
@@ -2817,7 +2817,7 @@
         <p:spPr>
           <a:xfrm>
             <a:off x="4105800" y="2933280"/>
-            <a:ext cx="161640" cy="1479240"/>
+            <a:ext cx="160560" cy="1478160"/>
           </a:xfrm>
           <a:prstGeom prst="rect">
             <a:avLst/>
@@ -2847,7 +2847,7 @@
         <p:spPr>
           <a:xfrm>
             <a:off x="4435560" y="2933280"/>
-            <a:ext cx="161640" cy="1479240"/>
+            <a:ext cx="160560" cy="1478160"/>
           </a:xfrm>
           <a:prstGeom prst="rect">
             <a:avLst/>
@@ -2876,8 +2876,8 @@
         </p:nvSpPr>
         <p:spPr>
           <a:xfrm rot="3468000">
-            <a:off x="3929400" y="2901960"/>
-            <a:ext cx="161280" cy="1478880"/>
+            <a:off x="3929400" y="2900880"/>
+            <a:ext cx="160200" cy="1477800"/>
           </a:xfrm>
           <a:prstGeom prst="rect">
             <a:avLst/>
@@ -2907,7 +2907,7 @@
         <p:spPr>
           <a:xfrm>
             <a:off x="1363320" y="2933280"/>
-            <a:ext cx="161640" cy="1479240"/>
+            <a:ext cx="160560" cy="1478160"/>
           </a:xfrm>
           <a:prstGeom prst="rect">
             <a:avLst/>
@@ -2937,7 +2937,7 @@
         <p:spPr>
           <a:xfrm>
             <a:off x="1693080" y="2933280"/>
-            <a:ext cx="161640" cy="1479240"/>
+            <a:ext cx="160560" cy="1478160"/>
           </a:xfrm>
           <a:prstGeom prst="rect">
             <a:avLst/>
@@ -2967,7 +2967,7 @@
         <p:spPr>
           <a:xfrm>
             <a:off x="2022480" y="2933280"/>
-            <a:ext cx="161280" cy="1479240"/>
+            <a:ext cx="160200" cy="1478160"/>
           </a:xfrm>
           <a:prstGeom prst="rect">
             <a:avLst/>
@@ -2997,7 +2997,7 @@
         <p:spPr>
           <a:xfrm>
             <a:off x="2351880" y="2933280"/>
-            <a:ext cx="161640" cy="1479240"/>
+            <a:ext cx="160560" cy="1478160"/>
           </a:xfrm>
           <a:prstGeom prst="rect">
             <a:avLst/>
@@ -3026,8 +3026,8 @@
         </p:nvSpPr>
         <p:spPr>
           <a:xfrm rot="3468000">
-            <a:off x="1845000" y="2900520"/>
-            <a:ext cx="161280" cy="1479240"/>
+            <a:off x="1845000" y="2899800"/>
+            <a:ext cx="160200" cy="1478160"/>
           </a:xfrm>
           <a:prstGeom prst="rect">
             <a:avLst/>
@@ -3057,7 +3057,7 @@
         <p:spPr>
           <a:xfrm>
             <a:off x="3447000" y="2933280"/>
-            <a:ext cx="161640" cy="1479240"/>
+            <a:ext cx="160560" cy="1478160"/>
           </a:xfrm>
           <a:prstGeom prst="rect">
             <a:avLst/>
@@ -3087,7 +3087,7 @@
         <p:spPr>
           <a:xfrm>
             <a:off x="3776760" y="2933280"/>
-            <a:ext cx="160920" cy="1479240"/>
+            <a:ext cx="159840" cy="1478160"/>
           </a:xfrm>
           <a:prstGeom prst="rect">
             <a:avLst/>
@@ -3117,7 +3117,7 @@
         <p:spPr>
           <a:xfrm>
             <a:off x="4105800" y="2933280"/>
-            <a:ext cx="161640" cy="1479240"/>
+            <a:ext cx="160560" cy="1478160"/>
           </a:xfrm>
           <a:prstGeom prst="rect">
             <a:avLst/>
@@ -3147,7 +3147,7 @@
         <p:spPr>
           <a:xfrm>
             <a:off x="4435560" y="2933280"/>
-            <a:ext cx="161640" cy="1479240"/>
+            <a:ext cx="160560" cy="1478160"/>
           </a:xfrm>
           <a:prstGeom prst="rect">
             <a:avLst/>
@@ -3176,8 +3176,8 @@
         </p:nvSpPr>
         <p:spPr>
           <a:xfrm rot="3468000">
-            <a:off x="3929400" y="2901960"/>
-            <a:ext cx="161280" cy="1478880"/>
+            <a:off x="3929400" y="2900880"/>
+            <a:ext cx="160200" cy="1477800"/>
           </a:xfrm>
           <a:prstGeom prst="rect">
             <a:avLst/>
@@ -3207,7 +3207,7 @@
         <p:spPr>
           <a:xfrm>
             <a:off x="5613120" y="2933280"/>
-            <a:ext cx="161280" cy="1479240"/>
+            <a:ext cx="160200" cy="1478160"/>
           </a:xfrm>
           <a:prstGeom prst="rect">
             <a:avLst/>
@@ -3237,7 +3237,7 @@
         <p:spPr>
           <a:xfrm>
             <a:off x="5942520" y="2933280"/>
-            <a:ext cx="161640" cy="1479240"/>
+            <a:ext cx="160560" cy="1478160"/>
           </a:xfrm>
           <a:prstGeom prst="rect">
             <a:avLst/>
@@ -3267,7 +3267,7 @@
         <p:spPr>
           <a:xfrm>
             <a:off x="6271920" y="2933280"/>
-            <a:ext cx="161280" cy="1479240"/>
+            <a:ext cx="160200" cy="1478160"/>
           </a:xfrm>
           <a:prstGeom prst="rect">
             <a:avLst/>
@@ -3297,7 +3297,7 @@
         <p:spPr>
           <a:xfrm>
             <a:off x="6601320" y="2933280"/>
-            <a:ext cx="161640" cy="1479240"/>
+            <a:ext cx="160560" cy="1478160"/>
           </a:xfrm>
           <a:prstGeom prst="rect">
             <a:avLst/>
@@ -3326,8 +3326,8 @@
         </p:nvSpPr>
         <p:spPr>
           <a:xfrm rot="3468000">
-            <a:off x="6094440" y="2900520"/>
-            <a:ext cx="161280" cy="1479240"/>
+            <a:off x="6094440" y="2899800"/>
+            <a:ext cx="160200" cy="1478160"/>
           </a:xfrm>
           <a:prstGeom prst="rect">
             <a:avLst/>
@@ -3357,7 +3357,7 @@
         <p:spPr>
           <a:xfrm>
             <a:off x="7696800" y="2933280"/>
-            <a:ext cx="161280" cy="1479240"/>
+            <a:ext cx="160200" cy="1478160"/>
           </a:xfrm>
           <a:prstGeom prst="rect">
             <a:avLst/>
@@ -3387,7 +3387,7 @@
         <p:spPr>
           <a:xfrm>
             <a:off x="8026200" y="2933280"/>
-            <a:ext cx="161640" cy="1479240"/>
+            <a:ext cx="160560" cy="1478160"/>
           </a:xfrm>
           <a:prstGeom prst="rect">
             <a:avLst/>
@@ -3417,7 +3417,7 @@
         <p:spPr>
           <a:xfrm>
             <a:off x="8355600" y="2933280"/>
-            <a:ext cx="161280" cy="1479240"/>
+            <a:ext cx="160200" cy="1478160"/>
           </a:xfrm>
           <a:prstGeom prst="rect">
             <a:avLst/>
@@ -3447,7 +3447,7 @@
         <p:spPr>
           <a:xfrm>
             <a:off x="8685000" y="2933280"/>
-            <a:ext cx="161640" cy="1479240"/>
+            <a:ext cx="160560" cy="1478160"/>
           </a:xfrm>
           <a:prstGeom prst="rect">
             <a:avLst/>
@@ -3476,8 +3476,8 @@
         </p:nvSpPr>
         <p:spPr>
           <a:xfrm rot="3468000">
-            <a:off x="8178120" y="2900520"/>
-            <a:ext cx="161280" cy="1479240"/>
+            <a:off x="8178120" y="2899800"/>
+            <a:ext cx="160200" cy="1478160"/>
           </a:xfrm>
           <a:prstGeom prst="rect">
             <a:avLst/>
@@ -3507,7 +3507,7 @@
         <p:spPr>
           <a:xfrm>
             <a:off x="5613120" y="2933280"/>
-            <a:ext cx="161280" cy="1479240"/>
+            <a:ext cx="160200" cy="1478160"/>
           </a:xfrm>
           <a:prstGeom prst="rect">
             <a:avLst/>
@@ -3537,7 +3537,7 @@
         <p:spPr>
           <a:xfrm>
             <a:off x="5942520" y="2933280"/>
-            <a:ext cx="161640" cy="1479240"/>
+            <a:ext cx="160560" cy="1478160"/>
           </a:xfrm>
           <a:prstGeom prst="rect">
             <a:avLst/>
@@ -3567,7 +3567,7 @@
         <p:spPr>
           <a:xfrm>
             <a:off x="6271920" y="2933280"/>
-            <a:ext cx="161280" cy="1479240"/>
+            <a:ext cx="160200" cy="1478160"/>
           </a:xfrm>
           <a:prstGeom prst="rect">
             <a:avLst/>
@@ -3597,7 +3597,7 @@
         <p:spPr>
           <a:xfrm>
             <a:off x="6601320" y="2933280"/>
-            <a:ext cx="161640" cy="1479240"/>
+            <a:ext cx="160560" cy="1478160"/>
           </a:xfrm>
           <a:prstGeom prst="rect">
             <a:avLst/>
@@ -3626,8 +3626,8 @@
         </p:nvSpPr>
         <p:spPr>
           <a:xfrm rot="3468000">
-            <a:off x="6094440" y="2900520"/>
-            <a:ext cx="161280" cy="1479240"/>
+            <a:off x="6094440" y="2899800"/>
+            <a:ext cx="160200" cy="1478160"/>
           </a:xfrm>
           <a:prstGeom prst="rect">
             <a:avLst/>
@@ -3657,7 +3657,7 @@
         <p:spPr>
           <a:xfrm>
             <a:off x="7696800" y="2933280"/>
-            <a:ext cx="161280" cy="1479240"/>
+            <a:ext cx="160200" cy="1478160"/>
           </a:xfrm>
           <a:prstGeom prst="rect">
             <a:avLst/>
@@ -3687,7 +3687,7 @@
         <p:spPr>
           <a:xfrm>
             <a:off x="8026200" y="2933280"/>
-            <a:ext cx="161640" cy="1479240"/>
+            <a:ext cx="160560" cy="1478160"/>
           </a:xfrm>
           <a:prstGeom prst="rect">
             <a:avLst/>
@@ -3717,7 +3717,7 @@
         <p:spPr>
           <a:xfrm>
             <a:off x="8355600" y="2933280"/>
-            <a:ext cx="161280" cy="1479240"/>
+            <a:ext cx="160200" cy="1478160"/>
           </a:xfrm>
           <a:prstGeom prst="rect">
             <a:avLst/>
@@ -3747,7 +3747,7 @@
         <p:spPr>
           <a:xfrm>
             <a:off x="8685000" y="2933280"/>
-            <a:ext cx="161640" cy="1479240"/>
+            <a:ext cx="160560" cy="1478160"/>
           </a:xfrm>
           <a:prstGeom prst="rect">
             <a:avLst/>
@@ -3776,8 +3776,8 @@
         </p:nvSpPr>
         <p:spPr>
           <a:xfrm rot="3468000">
-            <a:off x="8178120" y="2900520"/>
-            <a:ext cx="161280" cy="1479240"/>
+            <a:off x="8178120" y="2899800"/>
+            <a:ext cx="160200" cy="1478160"/>
           </a:xfrm>
           <a:prstGeom prst="rect">
             <a:avLst/>
@@ -3807,7 +3807,7 @@
         <p:spPr>
           <a:xfrm>
             <a:off x="1330920" y="5239440"/>
-            <a:ext cx="160920" cy="1479240"/>
+            <a:ext cx="159840" cy="1478160"/>
           </a:xfrm>
           <a:prstGeom prst="rect">
             <a:avLst/>
@@ -3837,7 +3837,7 @@
         <p:spPr>
           <a:xfrm>
             <a:off x="1659960" y="5239440"/>
-            <a:ext cx="161640" cy="1479240"/>
+            <a:ext cx="160560" cy="1478160"/>
           </a:xfrm>
           <a:prstGeom prst="rect">
             <a:avLst/>
@@ -3867,7 +3867,7 @@
         <p:spPr>
           <a:xfrm>
             <a:off x="1989720" y="5239440"/>
-            <a:ext cx="161280" cy="1479240"/>
+            <a:ext cx="160200" cy="1478160"/>
           </a:xfrm>
           <a:prstGeom prst="rect">
             <a:avLst/>
@@ -3897,7 +3897,7 @@
         <p:spPr>
           <a:xfrm>
             <a:off x="2318760" y="5239440"/>
-            <a:ext cx="161640" cy="1479240"/>
+            <a:ext cx="160560" cy="1478160"/>
           </a:xfrm>
           <a:prstGeom prst="rect">
             <a:avLst/>
@@ -3926,8 +3926,8 @@
         </p:nvSpPr>
         <p:spPr>
           <a:xfrm rot="3468000">
-            <a:off x="1811160" y="5205600"/>
-            <a:ext cx="161280" cy="1479240"/>
+            <a:off x="1811160" y="5204880"/>
+            <a:ext cx="160200" cy="1478160"/>
           </a:xfrm>
           <a:prstGeom prst="rect">
             <a:avLst/>
@@ -3957,7 +3957,7 @@
         <p:spPr>
           <a:xfrm>
             <a:off x="3413880" y="5239440"/>
-            <a:ext cx="161640" cy="1479240"/>
+            <a:ext cx="160560" cy="1478160"/>
           </a:xfrm>
           <a:prstGeom prst="rect">
             <a:avLst/>
@@ -3987,7 +3987,7 @@
         <p:spPr>
           <a:xfrm>
             <a:off x="3743640" y="5239440"/>
-            <a:ext cx="161280" cy="1479240"/>
+            <a:ext cx="160200" cy="1478160"/>
           </a:xfrm>
           <a:prstGeom prst="rect">
             <a:avLst/>
@@ -4017,7 +4017,7 @@
         <p:spPr>
           <a:xfrm>
             <a:off x="4073400" y="5239440"/>
-            <a:ext cx="160920" cy="1479240"/>
+            <a:ext cx="159840" cy="1478160"/>
           </a:xfrm>
           <a:prstGeom prst="rect">
             <a:avLst/>
@@ -4047,7 +4047,7 @@
         <p:spPr>
           <a:xfrm>
             <a:off x="4402440" y="5239440"/>
-            <a:ext cx="161640" cy="1479240"/>
+            <a:ext cx="160560" cy="1478160"/>
           </a:xfrm>
           <a:prstGeom prst="rect">
             <a:avLst/>
@@ -4076,8 +4076,8 @@
         </p:nvSpPr>
         <p:spPr>
           <a:xfrm rot="3468000">
-            <a:off x="3894840" y="5205600"/>
-            <a:ext cx="161280" cy="1479240"/>
+            <a:off x="3894840" y="5204880"/>
+            <a:ext cx="160200" cy="1478160"/>
           </a:xfrm>
           <a:prstGeom prst="rect">
             <a:avLst/>
@@ -4107,7 +4107,7 @@
         <p:spPr>
           <a:xfrm>
             <a:off x="1330920" y="5239440"/>
-            <a:ext cx="160920" cy="1479240"/>
+            <a:ext cx="159840" cy="1478160"/>
           </a:xfrm>
           <a:prstGeom prst="rect">
             <a:avLst/>
@@ -4137,7 +4137,7 @@
         <p:spPr>
           <a:xfrm>
             <a:off x="1659960" y="5239440"/>
-            <a:ext cx="161640" cy="1479240"/>
+            <a:ext cx="160560" cy="1478160"/>
           </a:xfrm>
           <a:prstGeom prst="rect">
             <a:avLst/>
@@ -4167,7 +4167,7 @@
         <p:spPr>
           <a:xfrm>
             <a:off x="1989720" y="5239440"/>
-            <a:ext cx="161280" cy="1479240"/>
+            <a:ext cx="160200" cy="1478160"/>
           </a:xfrm>
           <a:prstGeom prst="rect">
             <a:avLst/>
@@ -4197,7 +4197,7 @@
         <p:spPr>
           <a:xfrm>
             <a:off x="2318760" y="5239440"/>
-            <a:ext cx="161640" cy="1479240"/>
+            <a:ext cx="160560" cy="1478160"/>
           </a:xfrm>
           <a:prstGeom prst="rect">
             <a:avLst/>
@@ -4226,8 +4226,8 @@
         </p:nvSpPr>
         <p:spPr>
           <a:xfrm rot="3468000">
-            <a:off x="1811160" y="5205600"/>
-            <a:ext cx="161280" cy="1479240"/>
+            <a:off x="1811160" y="5204880"/>
+            <a:ext cx="160200" cy="1478160"/>
           </a:xfrm>
           <a:prstGeom prst="rect">
             <a:avLst/>
@@ -4257,7 +4257,7 @@
         <p:spPr>
           <a:xfrm>
             <a:off x="3413880" y="5239440"/>
-            <a:ext cx="161640" cy="1479240"/>
+            <a:ext cx="160560" cy="1478160"/>
           </a:xfrm>
           <a:prstGeom prst="rect">
             <a:avLst/>
@@ -4287,7 +4287,7 @@
         <p:spPr>
           <a:xfrm>
             <a:off x="3743640" y="5239440"/>
-            <a:ext cx="161280" cy="1479240"/>
+            <a:ext cx="160200" cy="1478160"/>
           </a:xfrm>
           <a:prstGeom prst="rect">
             <a:avLst/>
@@ -4317,7 +4317,7 @@
         <p:spPr>
           <a:xfrm>
             <a:off x="4073400" y="5239440"/>
-            <a:ext cx="160920" cy="1479240"/>
+            <a:ext cx="159840" cy="1478160"/>
           </a:xfrm>
           <a:prstGeom prst="rect">
             <a:avLst/>
@@ -4347,7 +4347,7 @@
         <p:spPr>
           <a:xfrm>
             <a:off x="4402440" y="5239440"/>
-            <a:ext cx="161640" cy="1479240"/>
+            <a:ext cx="160560" cy="1478160"/>
           </a:xfrm>
           <a:prstGeom prst="rect">
             <a:avLst/>
@@ -4376,8 +4376,8 @@
         </p:nvSpPr>
         <p:spPr>
           <a:xfrm rot="3468000">
-            <a:off x="3894840" y="5205600"/>
-            <a:ext cx="161280" cy="1479240"/>
+            <a:off x="3894840" y="5204880"/>
+            <a:ext cx="160200" cy="1478160"/>
           </a:xfrm>
           <a:prstGeom prst="rect">
             <a:avLst/>
@@ -4407,7 +4407,7 @@
         <p:spPr>
           <a:xfrm>
             <a:off x="5613120" y="5239440"/>
-            <a:ext cx="161280" cy="1479240"/>
+            <a:ext cx="160200" cy="1478160"/>
           </a:xfrm>
           <a:prstGeom prst="rect">
             <a:avLst/>
@@ -4437,7 +4437,7 @@
         <p:spPr>
           <a:xfrm>
             <a:off x="5942520" y="5239440"/>
-            <a:ext cx="161640" cy="1479240"/>
+            <a:ext cx="160560" cy="1478160"/>
           </a:xfrm>
           <a:prstGeom prst="rect">
             <a:avLst/>
@@ -4467,7 +4467,7 @@
         <p:spPr>
           <a:xfrm>
             <a:off x="6271920" y="5239440"/>
-            <a:ext cx="161280" cy="1479240"/>
+            <a:ext cx="160200" cy="1478160"/>
           </a:xfrm>
           <a:prstGeom prst="rect">
             <a:avLst/>
@@ -4497,7 +4497,7 @@
         <p:spPr>
           <a:xfrm>
             <a:off x="6601320" y="5239440"/>
-            <a:ext cx="161640" cy="1479240"/>
+            <a:ext cx="160560" cy="1478160"/>
           </a:xfrm>
           <a:prstGeom prst="rect">
             <a:avLst/>
@@ -4526,8 +4526,8 @@
         </p:nvSpPr>
         <p:spPr>
           <a:xfrm rot="3468000">
-            <a:off x="6093720" y="5205600"/>
-            <a:ext cx="161280" cy="1479240"/>
+            <a:off x="6093720" y="5204880"/>
+            <a:ext cx="160200" cy="1478160"/>
           </a:xfrm>
           <a:prstGeom prst="rect">
             <a:avLst/>
@@ -4557,7 +4557,7 @@
         <p:spPr>
           <a:xfrm>
             <a:off x="5613120" y="5239440"/>
-            <a:ext cx="161280" cy="1479240"/>
+            <a:ext cx="160200" cy="1478160"/>
           </a:xfrm>
           <a:prstGeom prst="rect">
             <a:avLst/>
@@ -4587,7 +4587,7 @@
         <p:spPr>
           <a:xfrm>
             <a:off x="5942520" y="5239440"/>
-            <a:ext cx="161640" cy="1479240"/>
+            <a:ext cx="160560" cy="1478160"/>
           </a:xfrm>
           <a:prstGeom prst="rect">
             <a:avLst/>
@@ -4617,7 +4617,7 @@
         <p:spPr>
           <a:xfrm>
             <a:off x="6271920" y="5239440"/>
-            <a:ext cx="161280" cy="1479240"/>
+            <a:ext cx="160200" cy="1478160"/>
           </a:xfrm>
           <a:prstGeom prst="rect">
             <a:avLst/>
@@ -4647,7 +4647,7 @@
         <p:spPr>
           <a:xfrm>
             <a:off x="6601320" y="5239440"/>
-            <a:ext cx="161640" cy="1479240"/>
+            <a:ext cx="160560" cy="1478160"/>
           </a:xfrm>
           <a:prstGeom prst="rect">
             <a:avLst/>
@@ -4676,8 +4676,8 @@
         </p:nvSpPr>
         <p:spPr>
           <a:xfrm rot="3468000">
-            <a:off x="6093720" y="5205600"/>
-            <a:ext cx="161280" cy="1479240"/>
+            <a:off x="6093720" y="5204880"/>
+            <a:ext cx="160200" cy="1478160"/>
           </a:xfrm>
           <a:prstGeom prst="rect">
             <a:avLst/>
@@ -4707,7 +4707,7 @@
         <p:spPr>
           <a:xfrm>
             <a:off x="5613120" y="5239440"/>
-            <a:ext cx="161280" cy="1479240"/>
+            <a:ext cx="160200" cy="1478160"/>
           </a:xfrm>
           <a:prstGeom prst="rect">
             <a:avLst/>
@@ -4737,7 +4737,7 @@
         <p:spPr>
           <a:xfrm>
             <a:off x="7647480" y="5239440"/>
-            <a:ext cx="161280" cy="1479240"/>
+            <a:ext cx="160200" cy="1478160"/>
           </a:xfrm>
           <a:prstGeom prst="rect">
             <a:avLst/>

--- a/diet.pptx
+++ b/diet.pptx
@@ -1407,7 +1407,7 @@
         <p:spPr>
           <a:xfrm>
             <a:off x="1388520" y="792000"/>
-            <a:ext cx="159840" cy="1478160"/>
+            <a:ext cx="159120" cy="1477440"/>
           </a:xfrm>
           <a:prstGeom prst="rect">
             <a:avLst/>
@@ -1437,7 +1437,7 @@
         <p:spPr>
           <a:xfrm>
             <a:off x="1717560" y="792000"/>
-            <a:ext cx="160560" cy="1478160"/>
+            <a:ext cx="159840" cy="1477440"/>
           </a:xfrm>
           <a:prstGeom prst="rect">
             <a:avLst/>
@@ -1467,7 +1467,7 @@
         <p:spPr>
           <a:xfrm>
             <a:off x="2047320" y="792000"/>
-            <a:ext cx="159840" cy="1478160"/>
+            <a:ext cx="159120" cy="1477440"/>
           </a:xfrm>
           <a:prstGeom prst="rect">
             <a:avLst/>
@@ -1497,7 +1497,7 @@
         <p:spPr>
           <a:xfrm>
             <a:off x="2376360" y="792000"/>
-            <a:ext cx="160560" cy="1478160"/>
+            <a:ext cx="159840" cy="1477440"/>
           </a:xfrm>
           <a:prstGeom prst="rect">
             <a:avLst/>
@@ -1526,8 +1526,8 @@
         </p:nvSpPr>
         <p:spPr>
           <a:xfrm rot="3468000">
-            <a:off x="1869480" y="758520"/>
-            <a:ext cx="160200" cy="1478160"/>
+            <a:off x="1869840" y="758160"/>
+            <a:ext cx="159480" cy="1477440"/>
           </a:xfrm>
           <a:prstGeom prst="rect">
             <a:avLst/>
@@ -1557,7 +1557,7 @@
         <p:spPr>
           <a:xfrm>
             <a:off x="3472200" y="792000"/>
-            <a:ext cx="159840" cy="1478160"/>
+            <a:ext cx="159120" cy="1477440"/>
           </a:xfrm>
           <a:prstGeom prst="rect">
             <a:avLst/>
@@ -1587,7 +1587,7 @@
         <p:spPr>
           <a:xfrm>
             <a:off x="3801240" y="792000"/>
-            <a:ext cx="160560" cy="1478160"/>
+            <a:ext cx="159840" cy="1477440"/>
           </a:xfrm>
           <a:prstGeom prst="rect">
             <a:avLst/>
@@ -1617,7 +1617,7 @@
         <p:spPr>
           <a:xfrm>
             <a:off x="4131000" y="792000"/>
-            <a:ext cx="159840" cy="1478160"/>
+            <a:ext cx="159120" cy="1477440"/>
           </a:xfrm>
           <a:prstGeom prst="rect">
             <a:avLst/>
@@ -1647,7 +1647,7 @@
         <p:spPr>
           <a:xfrm>
             <a:off x="4460040" y="792000"/>
-            <a:ext cx="160560" cy="1478160"/>
+            <a:ext cx="159840" cy="1477440"/>
           </a:xfrm>
           <a:prstGeom prst="rect">
             <a:avLst/>
@@ -1676,8 +1676,8 @@
         </p:nvSpPr>
         <p:spPr>
           <a:xfrm rot="3468000">
-            <a:off x="3953160" y="758520"/>
-            <a:ext cx="160200" cy="1478160"/>
+            <a:off x="3953520" y="758160"/>
+            <a:ext cx="159480" cy="1477440"/>
           </a:xfrm>
           <a:prstGeom prst="rect">
             <a:avLst/>
@@ -1707,7 +1707,7 @@
         <p:spPr>
           <a:xfrm>
             <a:off x="1388520" y="792000"/>
-            <a:ext cx="159840" cy="1478160"/>
+            <a:ext cx="159120" cy="1477440"/>
           </a:xfrm>
           <a:prstGeom prst="rect">
             <a:avLst/>
@@ -1737,7 +1737,7 @@
         <p:spPr>
           <a:xfrm>
             <a:off x="1717560" y="792000"/>
-            <a:ext cx="160560" cy="1478160"/>
+            <a:ext cx="159840" cy="1477440"/>
           </a:xfrm>
           <a:prstGeom prst="rect">
             <a:avLst/>
@@ -1767,7 +1767,7 @@
         <p:spPr>
           <a:xfrm>
             <a:off x="2047320" y="792000"/>
-            <a:ext cx="159840" cy="1478160"/>
+            <a:ext cx="159120" cy="1477440"/>
           </a:xfrm>
           <a:prstGeom prst="rect">
             <a:avLst/>
@@ -1797,7 +1797,7 @@
         <p:spPr>
           <a:xfrm>
             <a:off x="2376360" y="792000"/>
-            <a:ext cx="160560" cy="1478160"/>
+            <a:ext cx="159840" cy="1477440"/>
           </a:xfrm>
           <a:prstGeom prst="rect">
             <a:avLst/>
@@ -1826,8 +1826,8 @@
         </p:nvSpPr>
         <p:spPr>
           <a:xfrm rot="3468000">
-            <a:off x="1869480" y="758520"/>
-            <a:ext cx="160200" cy="1478160"/>
+            <a:off x="1869840" y="758160"/>
+            <a:ext cx="159480" cy="1477440"/>
           </a:xfrm>
           <a:prstGeom prst="rect">
             <a:avLst/>
@@ -1857,7 +1857,7 @@
         <p:spPr>
           <a:xfrm>
             <a:off x="3472200" y="792000"/>
-            <a:ext cx="159840" cy="1478160"/>
+            <a:ext cx="159120" cy="1477440"/>
           </a:xfrm>
           <a:prstGeom prst="rect">
             <a:avLst/>
@@ -1887,7 +1887,7 @@
         <p:spPr>
           <a:xfrm>
             <a:off x="3801240" y="792000"/>
-            <a:ext cx="160560" cy="1478160"/>
+            <a:ext cx="159840" cy="1477440"/>
           </a:xfrm>
           <a:prstGeom prst="rect">
             <a:avLst/>
@@ -1917,7 +1917,7 @@
         <p:spPr>
           <a:xfrm>
             <a:off x="4131000" y="792000"/>
-            <a:ext cx="159840" cy="1478160"/>
+            <a:ext cx="159120" cy="1477440"/>
           </a:xfrm>
           <a:prstGeom prst="rect">
             <a:avLst/>
@@ -1947,7 +1947,7 @@
         <p:spPr>
           <a:xfrm>
             <a:off x="4460040" y="792000"/>
-            <a:ext cx="160560" cy="1478160"/>
+            <a:ext cx="159840" cy="1477440"/>
           </a:xfrm>
           <a:prstGeom prst="rect">
             <a:avLst/>
@@ -1976,8 +1976,8 @@
         </p:nvSpPr>
         <p:spPr>
           <a:xfrm rot="3468000">
-            <a:off x="3953160" y="758520"/>
-            <a:ext cx="160200" cy="1478160"/>
+            <a:off x="3953520" y="758160"/>
+            <a:ext cx="159480" cy="1477440"/>
           </a:xfrm>
           <a:prstGeom prst="rect">
             <a:avLst/>
@@ -2007,7 +2007,7 @@
         <p:spPr>
           <a:xfrm>
             <a:off x="5613120" y="792000"/>
-            <a:ext cx="160200" cy="1478160"/>
+            <a:ext cx="159480" cy="1477440"/>
           </a:xfrm>
           <a:prstGeom prst="rect">
             <a:avLst/>
@@ -2037,7 +2037,7 @@
         <p:spPr>
           <a:xfrm>
             <a:off x="5942520" y="792000"/>
-            <a:ext cx="160560" cy="1478160"/>
+            <a:ext cx="159840" cy="1477440"/>
           </a:xfrm>
           <a:prstGeom prst="rect">
             <a:avLst/>
@@ -2067,7 +2067,7 @@
         <p:spPr>
           <a:xfrm>
             <a:off x="6271920" y="792000"/>
-            <a:ext cx="160200" cy="1478160"/>
+            <a:ext cx="159480" cy="1477440"/>
           </a:xfrm>
           <a:prstGeom prst="rect">
             <a:avLst/>
@@ -2097,7 +2097,7 @@
         <p:spPr>
           <a:xfrm>
             <a:off x="6601320" y="792000"/>
-            <a:ext cx="160560" cy="1478160"/>
+            <a:ext cx="159840" cy="1477440"/>
           </a:xfrm>
           <a:prstGeom prst="rect">
             <a:avLst/>
@@ -2126,8 +2126,8 @@
         </p:nvSpPr>
         <p:spPr>
           <a:xfrm rot="3468000">
-            <a:off x="6094440" y="758520"/>
-            <a:ext cx="160200" cy="1478160"/>
+            <a:off x="6094800" y="758160"/>
+            <a:ext cx="159480" cy="1477440"/>
           </a:xfrm>
           <a:prstGeom prst="rect">
             <a:avLst/>
@@ -2157,7 +2157,7 @@
         <p:spPr>
           <a:xfrm>
             <a:off x="7696800" y="792000"/>
-            <a:ext cx="160200" cy="1478160"/>
+            <a:ext cx="159480" cy="1477440"/>
           </a:xfrm>
           <a:prstGeom prst="rect">
             <a:avLst/>
@@ -2187,7 +2187,7 @@
         <p:spPr>
           <a:xfrm>
             <a:off x="8026200" y="792000"/>
-            <a:ext cx="160560" cy="1478160"/>
+            <a:ext cx="159840" cy="1477440"/>
           </a:xfrm>
           <a:prstGeom prst="rect">
             <a:avLst/>
@@ -2217,7 +2217,7 @@
         <p:spPr>
           <a:xfrm>
             <a:off x="8355600" y="792000"/>
-            <a:ext cx="160200" cy="1478160"/>
+            <a:ext cx="159480" cy="1477440"/>
           </a:xfrm>
           <a:prstGeom prst="rect">
             <a:avLst/>
@@ -2247,7 +2247,7 @@
         <p:spPr>
           <a:xfrm>
             <a:off x="8685000" y="792000"/>
-            <a:ext cx="160560" cy="1478160"/>
+            <a:ext cx="159840" cy="1477440"/>
           </a:xfrm>
           <a:prstGeom prst="rect">
             <a:avLst/>
@@ -2276,8 +2276,8 @@
         </p:nvSpPr>
         <p:spPr>
           <a:xfrm rot="3468000">
-            <a:off x="8178120" y="758520"/>
-            <a:ext cx="160200" cy="1478160"/>
+            <a:off x="8178480" y="758160"/>
+            <a:ext cx="159480" cy="1477440"/>
           </a:xfrm>
           <a:prstGeom prst="rect">
             <a:avLst/>
@@ -2307,7 +2307,7 @@
         <p:spPr>
           <a:xfrm>
             <a:off x="5613120" y="792000"/>
-            <a:ext cx="160200" cy="1478160"/>
+            <a:ext cx="159480" cy="1477440"/>
           </a:xfrm>
           <a:prstGeom prst="rect">
             <a:avLst/>
@@ -2337,7 +2337,7 @@
         <p:spPr>
           <a:xfrm>
             <a:off x="5942520" y="792000"/>
-            <a:ext cx="160560" cy="1478160"/>
+            <a:ext cx="159840" cy="1477440"/>
           </a:xfrm>
           <a:prstGeom prst="rect">
             <a:avLst/>
@@ -2367,7 +2367,7 @@
         <p:spPr>
           <a:xfrm>
             <a:off x="6271920" y="792000"/>
-            <a:ext cx="160200" cy="1478160"/>
+            <a:ext cx="159480" cy="1477440"/>
           </a:xfrm>
           <a:prstGeom prst="rect">
             <a:avLst/>
@@ -2397,7 +2397,7 @@
         <p:spPr>
           <a:xfrm>
             <a:off x="6601320" y="792000"/>
-            <a:ext cx="160560" cy="1478160"/>
+            <a:ext cx="159840" cy="1477440"/>
           </a:xfrm>
           <a:prstGeom prst="rect">
             <a:avLst/>
@@ -2426,8 +2426,8 @@
         </p:nvSpPr>
         <p:spPr>
           <a:xfrm rot="3468000">
-            <a:off x="6094440" y="758520"/>
-            <a:ext cx="160200" cy="1478160"/>
+            <a:off x="6094800" y="758160"/>
+            <a:ext cx="159480" cy="1477440"/>
           </a:xfrm>
           <a:prstGeom prst="rect">
             <a:avLst/>
@@ -2457,7 +2457,7 @@
         <p:spPr>
           <a:xfrm>
             <a:off x="7696800" y="792000"/>
-            <a:ext cx="160200" cy="1478160"/>
+            <a:ext cx="159480" cy="1477440"/>
           </a:xfrm>
           <a:prstGeom prst="rect">
             <a:avLst/>
@@ -2487,7 +2487,7 @@
         <p:spPr>
           <a:xfrm>
             <a:off x="8026200" y="792000"/>
-            <a:ext cx="160560" cy="1478160"/>
+            <a:ext cx="159840" cy="1477440"/>
           </a:xfrm>
           <a:prstGeom prst="rect">
             <a:avLst/>
@@ -2517,7 +2517,7 @@
         <p:spPr>
           <a:xfrm>
             <a:off x="8355600" y="792000"/>
-            <a:ext cx="160200" cy="1478160"/>
+            <a:ext cx="159480" cy="1477440"/>
           </a:xfrm>
           <a:prstGeom prst="rect">
             <a:avLst/>
@@ -2547,7 +2547,7 @@
         <p:spPr>
           <a:xfrm>
             <a:off x="8685000" y="792000"/>
-            <a:ext cx="160560" cy="1478160"/>
+            <a:ext cx="159840" cy="1477440"/>
           </a:xfrm>
           <a:prstGeom prst="rect">
             <a:avLst/>
@@ -2576,8 +2576,8 @@
         </p:nvSpPr>
         <p:spPr>
           <a:xfrm rot="3468000">
-            <a:off x="8178120" y="758520"/>
-            <a:ext cx="160200" cy="1478160"/>
+            <a:off x="8178480" y="758160"/>
+            <a:ext cx="159480" cy="1477440"/>
           </a:xfrm>
           <a:prstGeom prst="rect">
             <a:avLst/>
@@ -2607,7 +2607,7 @@
         <p:spPr>
           <a:xfrm>
             <a:off x="1363320" y="2933280"/>
-            <a:ext cx="160560" cy="1478160"/>
+            <a:ext cx="159840" cy="1477440"/>
           </a:xfrm>
           <a:prstGeom prst="rect">
             <a:avLst/>
@@ -2637,7 +2637,7 @@
         <p:spPr>
           <a:xfrm>
             <a:off x="1693080" y="2933280"/>
-            <a:ext cx="160560" cy="1478160"/>
+            <a:ext cx="159840" cy="1477440"/>
           </a:xfrm>
           <a:prstGeom prst="rect">
             <a:avLst/>
@@ -2667,7 +2667,7 @@
         <p:spPr>
           <a:xfrm>
             <a:off x="2022480" y="2933280"/>
-            <a:ext cx="160200" cy="1478160"/>
+            <a:ext cx="159480" cy="1477440"/>
           </a:xfrm>
           <a:prstGeom prst="rect">
             <a:avLst/>
@@ -2697,7 +2697,7 @@
         <p:spPr>
           <a:xfrm>
             <a:off x="2351880" y="2933280"/>
-            <a:ext cx="160560" cy="1478160"/>
+            <a:ext cx="159840" cy="1477440"/>
           </a:xfrm>
           <a:prstGeom prst="rect">
             <a:avLst/>
@@ -2726,8 +2726,8 @@
         </p:nvSpPr>
         <p:spPr>
           <a:xfrm rot="3468000">
-            <a:off x="1845000" y="2899800"/>
-            <a:ext cx="160200" cy="1478160"/>
+            <a:off x="1845360" y="2899440"/>
+            <a:ext cx="159480" cy="1477440"/>
           </a:xfrm>
           <a:prstGeom prst="rect">
             <a:avLst/>
@@ -2757,7 +2757,7 @@
         <p:spPr>
           <a:xfrm>
             <a:off x="3447000" y="2933280"/>
-            <a:ext cx="160560" cy="1478160"/>
+            <a:ext cx="159840" cy="1477440"/>
           </a:xfrm>
           <a:prstGeom prst="rect">
             <a:avLst/>
@@ -2787,7 +2787,7 @@
         <p:spPr>
           <a:xfrm>
             <a:off x="3776760" y="2933280"/>
-            <a:ext cx="159840" cy="1478160"/>
+            <a:ext cx="159120" cy="1477440"/>
           </a:xfrm>
           <a:prstGeom prst="rect">
             <a:avLst/>
@@ -2817,7 +2817,7 @@
         <p:spPr>
           <a:xfrm>
             <a:off x="4105800" y="2933280"/>
-            <a:ext cx="160560" cy="1478160"/>
+            <a:ext cx="159840" cy="1477440"/>
           </a:xfrm>
           <a:prstGeom prst="rect">
             <a:avLst/>
@@ -2847,7 +2847,7 @@
         <p:spPr>
           <a:xfrm>
             <a:off x="4435560" y="2933280"/>
-            <a:ext cx="160560" cy="1478160"/>
+            <a:ext cx="159840" cy="1477440"/>
           </a:xfrm>
           <a:prstGeom prst="rect">
             <a:avLst/>
@@ -2876,8 +2876,8 @@
         </p:nvSpPr>
         <p:spPr>
           <a:xfrm rot="3468000">
-            <a:off x="3929400" y="2900880"/>
-            <a:ext cx="160200" cy="1477800"/>
+            <a:off x="3929400" y="2900520"/>
+            <a:ext cx="159480" cy="1477080"/>
           </a:xfrm>
           <a:prstGeom prst="rect">
             <a:avLst/>
@@ -2907,13 +2907,13 @@
         <p:spPr>
           <a:xfrm>
             <a:off x="1363320" y="2933280"/>
-            <a:ext cx="160560" cy="1478160"/>
-          </a:xfrm>
-          <a:prstGeom prst="rect">
-            <a:avLst/>
-          </a:prstGeom>
-          <a:solidFill>
-            <a:srgbClr val="ffffff"/>
+            <a:ext cx="159840" cy="1477440"/>
+          </a:xfrm>
+          <a:prstGeom prst="rect">
+            <a:avLst/>
+          </a:prstGeom>
+          <a:solidFill>
+            <a:srgbClr val="000000"/>
           </a:solidFill>
           <a:ln>
             <a:solidFill>
@@ -2937,13 +2937,13 @@
         <p:spPr>
           <a:xfrm>
             <a:off x="1693080" y="2933280"/>
-            <a:ext cx="160560" cy="1478160"/>
-          </a:xfrm>
-          <a:prstGeom prst="rect">
-            <a:avLst/>
-          </a:prstGeom>
-          <a:solidFill>
-            <a:srgbClr val="ffffff"/>
+            <a:ext cx="159840" cy="1477440"/>
+          </a:xfrm>
+          <a:prstGeom prst="rect">
+            <a:avLst/>
+          </a:prstGeom>
+          <a:solidFill>
+            <a:srgbClr val="000000"/>
           </a:solidFill>
           <a:ln>
             <a:solidFill>
@@ -2967,13 +2967,13 @@
         <p:spPr>
           <a:xfrm>
             <a:off x="2022480" y="2933280"/>
-            <a:ext cx="160200" cy="1478160"/>
-          </a:xfrm>
-          <a:prstGeom prst="rect">
-            <a:avLst/>
-          </a:prstGeom>
-          <a:solidFill>
-            <a:srgbClr val="ffffff"/>
+            <a:ext cx="159480" cy="1477440"/>
+          </a:xfrm>
+          <a:prstGeom prst="rect">
+            <a:avLst/>
+          </a:prstGeom>
+          <a:solidFill>
+            <a:srgbClr val="000000"/>
           </a:solidFill>
           <a:ln>
             <a:solidFill>
@@ -2997,13 +2997,13 @@
         <p:spPr>
           <a:xfrm>
             <a:off x="2351880" y="2933280"/>
-            <a:ext cx="160560" cy="1478160"/>
-          </a:xfrm>
-          <a:prstGeom prst="rect">
-            <a:avLst/>
-          </a:prstGeom>
-          <a:solidFill>
-            <a:srgbClr val="ffffff"/>
+            <a:ext cx="159840" cy="1477440"/>
+          </a:xfrm>
+          <a:prstGeom prst="rect">
+            <a:avLst/>
+          </a:prstGeom>
+          <a:solidFill>
+            <a:srgbClr val="000000"/>
           </a:solidFill>
           <a:ln>
             <a:solidFill>
@@ -3026,14 +3026,14 @@
         </p:nvSpPr>
         <p:spPr>
           <a:xfrm rot="3468000">
-            <a:off x="1845000" y="2899800"/>
-            <a:ext cx="160200" cy="1478160"/>
-          </a:xfrm>
-          <a:prstGeom prst="rect">
-            <a:avLst/>
-          </a:prstGeom>
-          <a:solidFill>
-            <a:srgbClr val="ffffff"/>
+            <a:off x="1845360" y="2899440"/>
+            <a:ext cx="159480" cy="1477440"/>
+          </a:xfrm>
+          <a:prstGeom prst="rect">
+            <a:avLst/>
+          </a:prstGeom>
+          <a:solidFill>
+            <a:srgbClr val="000000"/>
           </a:solidFill>
           <a:ln>
             <a:solidFill>
@@ -3057,7 +3057,7 @@
         <p:spPr>
           <a:xfrm>
             <a:off x="3447000" y="2933280"/>
-            <a:ext cx="160560" cy="1478160"/>
+            <a:ext cx="159840" cy="1477440"/>
           </a:xfrm>
           <a:prstGeom prst="rect">
             <a:avLst/>
@@ -3087,7 +3087,7 @@
         <p:spPr>
           <a:xfrm>
             <a:off x="3776760" y="2933280"/>
-            <a:ext cx="159840" cy="1478160"/>
+            <a:ext cx="159120" cy="1477440"/>
           </a:xfrm>
           <a:prstGeom prst="rect">
             <a:avLst/>
@@ -3117,13 +3117,13 @@
         <p:spPr>
           <a:xfrm>
             <a:off x="4105800" y="2933280"/>
-            <a:ext cx="160560" cy="1478160"/>
-          </a:xfrm>
-          <a:prstGeom prst="rect">
-            <a:avLst/>
-          </a:prstGeom>
-          <a:solidFill>
-            <a:srgbClr val="ffffff"/>
+            <a:ext cx="159840" cy="1477440"/>
+          </a:xfrm>
+          <a:prstGeom prst="rect">
+            <a:avLst/>
+          </a:prstGeom>
+          <a:solidFill>
+            <a:srgbClr val="ef413d"/>
           </a:solidFill>
           <a:ln>
             <a:solidFill>
@@ -3147,7 +3147,7 @@
         <p:spPr>
           <a:xfrm>
             <a:off x="4435560" y="2933280"/>
-            <a:ext cx="160560" cy="1478160"/>
+            <a:ext cx="159840" cy="1477440"/>
           </a:xfrm>
           <a:prstGeom prst="rect">
             <a:avLst/>
@@ -3176,8 +3176,8 @@
         </p:nvSpPr>
         <p:spPr>
           <a:xfrm rot="3468000">
-            <a:off x="3929400" y="2900880"/>
-            <a:ext cx="160200" cy="1477800"/>
+            <a:off x="3929400" y="2900520"/>
+            <a:ext cx="159480" cy="1477080"/>
           </a:xfrm>
           <a:prstGeom prst="rect">
             <a:avLst/>
@@ -3207,7 +3207,7 @@
         <p:spPr>
           <a:xfrm>
             <a:off x="5613120" y="2933280"/>
-            <a:ext cx="160200" cy="1478160"/>
+            <a:ext cx="159480" cy="1477440"/>
           </a:xfrm>
           <a:prstGeom prst="rect">
             <a:avLst/>
@@ -3237,7 +3237,7 @@
         <p:spPr>
           <a:xfrm>
             <a:off x="5942520" y="2933280"/>
-            <a:ext cx="160560" cy="1478160"/>
+            <a:ext cx="159840" cy="1477440"/>
           </a:xfrm>
           <a:prstGeom prst="rect">
             <a:avLst/>
@@ -3267,7 +3267,7 @@
         <p:spPr>
           <a:xfrm>
             <a:off x="6271920" y="2933280"/>
-            <a:ext cx="160200" cy="1478160"/>
+            <a:ext cx="159480" cy="1477440"/>
           </a:xfrm>
           <a:prstGeom prst="rect">
             <a:avLst/>
@@ -3297,7 +3297,7 @@
         <p:spPr>
           <a:xfrm>
             <a:off x="6601320" y="2933280"/>
-            <a:ext cx="160560" cy="1478160"/>
+            <a:ext cx="159840" cy="1477440"/>
           </a:xfrm>
           <a:prstGeom prst="rect">
             <a:avLst/>
@@ -3326,8 +3326,8 @@
         </p:nvSpPr>
         <p:spPr>
           <a:xfrm rot="3468000">
-            <a:off x="6094440" y="2899800"/>
-            <a:ext cx="160200" cy="1478160"/>
+            <a:off x="6094800" y="2899440"/>
+            <a:ext cx="159480" cy="1477440"/>
           </a:xfrm>
           <a:prstGeom prst="rect">
             <a:avLst/>
@@ -3357,7 +3357,7 @@
         <p:spPr>
           <a:xfrm>
             <a:off x="7696800" y="2933280"/>
-            <a:ext cx="160200" cy="1478160"/>
+            <a:ext cx="159480" cy="1477440"/>
           </a:xfrm>
           <a:prstGeom prst="rect">
             <a:avLst/>
@@ -3387,7 +3387,7 @@
         <p:spPr>
           <a:xfrm>
             <a:off x="8026200" y="2933280"/>
-            <a:ext cx="160560" cy="1478160"/>
+            <a:ext cx="159840" cy="1477440"/>
           </a:xfrm>
           <a:prstGeom prst="rect">
             <a:avLst/>
@@ -3417,7 +3417,7 @@
         <p:spPr>
           <a:xfrm>
             <a:off x="8355600" y="2933280"/>
-            <a:ext cx="160200" cy="1478160"/>
+            <a:ext cx="159480" cy="1477440"/>
           </a:xfrm>
           <a:prstGeom prst="rect">
             <a:avLst/>
@@ -3447,7 +3447,7 @@
         <p:spPr>
           <a:xfrm>
             <a:off x="8685000" y="2933280"/>
-            <a:ext cx="160560" cy="1478160"/>
+            <a:ext cx="159840" cy="1477440"/>
           </a:xfrm>
           <a:prstGeom prst="rect">
             <a:avLst/>
@@ -3476,8 +3476,8 @@
         </p:nvSpPr>
         <p:spPr>
           <a:xfrm rot="3468000">
-            <a:off x="8178120" y="2899800"/>
-            <a:ext cx="160200" cy="1478160"/>
+            <a:off x="8178480" y="2899440"/>
+            <a:ext cx="159480" cy="1477440"/>
           </a:xfrm>
           <a:prstGeom prst="rect">
             <a:avLst/>
@@ -3507,7 +3507,7 @@
         <p:spPr>
           <a:xfrm>
             <a:off x="5613120" y="2933280"/>
-            <a:ext cx="160200" cy="1478160"/>
+            <a:ext cx="159480" cy="1477440"/>
           </a:xfrm>
           <a:prstGeom prst="rect">
             <a:avLst/>
@@ -3537,7 +3537,7 @@
         <p:spPr>
           <a:xfrm>
             <a:off x="5942520" y="2933280"/>
-            <a:ext cx="160560" cy="1478160"/>
+            <a:ext cx="159840" cy="1477440"/>
           </a:xfrm>
           <a:prstGeom prst="rect">
             <a:avLst/>
@@ -3567,7 +3567,7 @@
         <p:spPr>
           <a:xfrm>
             <a:off x="6271920" y="2933280"/>
-            <a:ext cx="160200" cy="1478160"/>
+            <a:ext cx="159480" cy="1477440"/>
           </a:xfrm>
           <a:prstGeom prst="rect">
             <a:avLst/>
@@ -3597,7 +3597,7 @@
         <p:spPr>
           <a:xfrm>
             <a:off x="6601320" y="2933280"/>
-            <a:ext cx="160560" cy="1478160"/>
+            <a:ext cx="159840" cy="1477440"/>
           </a:xfrm>
           <a:prstGeom prst="rect">
             <a:avLst/>
@@ -3626,14 +3626,14 @@
         </p:nvSpPr>
         <p:spPr>
           <a:xfrm rot="3468000">
-            <a:off x="6094440" y="2899800"/>
-            <a:ext cx="160200" cy="1478160"/>
-          </a:xfrm>
-          <a:prstGeom prst="rect">
-            <a:avLst/>
-          </a:prstGeom>
-          <a:solidFill>
-            <a:srgbClr val="ffffff"/>
+            <a:off x="6094800" y="2899440"/>
+            <a:ext cx="159480" cy="1477440"/>
+          </a:xfrm>
+          <a:prstGeom prst="rect">
+            <a:avLst/>
+          </a:prstGeom>
+          <a:solidFill>
+            <a:srgbClr val="ef413d"/>
           </a:solidFill>
           <a:ln>
             <a:solidFill>
@@ -3657,7 +3657,7 @@
         <p:spPr>
           <a:xfrm>
             <a:off x="7696800" y="2933280"/>
-            <a:ext cx="160200" cy="1478160"/>
+            <a:ext cx="159480" cy="1477440"/>
           </a:xfrm>
           <a:prstGeom prst="rect">
             <a:avLst/>
@@ -3687,7 +3687,7 @@
         <p:spPr>
           <a:xfrm>
             <a:off x="8026200" y="2933280"/>
-            <a:ext cx="160560" cy="1478160"/>
+            <a:ext cx="159840" cy="1477440"/>
           </a:xfrm>
           <a:prstGeom prst="rect">
             <a:avLst/>
@@ -3717,7 +3717,7 @@
         <p:spPr>
           <a:xfrm>
             <a:off x="8355600" y="2933280"/>
-            <a:ext cx="160200" cy="1478160"/>
+            <a:ext cx="159480" cy="1477440"/>
           </a:xfrm>
           <a:prstGeom prst="rect">
             <a:avLst/>
@@ -3747,7 +3747,7 @@
         <p:spPr>
           <a:xfrm>
             <a:off x="8685000" y="2933280"/>
-            <a:ext cx="160560" cy="1478160"/>
+            <a:ext cx="159840" cy="1477440"/>
           </a:xfrm>
           <a:prstGeom prst="rect">
             <a:avLst/>
@@ -3776,8 +3776,8 @@
         </p:nvSpPr>
         <p:spPr>
           <a:xfrm rot="3468000">
-            <a:off x="8178120" y="2899800"/>
-            <a:ext cx="160200" cy="1478160"/>
+            <a:off x="8178480" y="2899440"/>
+            <a:ext cx="159480" cy="1477440"/>
           </a:xfrm>
           <a:prstGeom prst="rect">
             <a:avLst/>
@@ -3807,7 +3807,7 @@
         <p:spPr>
           <a:xfrm>
             <a:off x="1330920" y="5239440"/>
-            <a:ext cx="159840" cy="1478160"/>
+            <a:ext cx="159120" cy="1477440"/>
           </a:xfrm>
           <a:prstGeom prst="rect">
             <a:avLst/>
@@ -3837,7 +3837,7 @@
         <p:spPr>
           <a:xfrm>
             <a:off x="1659960" y="5239440"/>
-            <a:ext cx="160560" cy="1478160"/>
+            <a:ext cx="159840" cy="1477440"/>
           </a:xfrm>
           <a:prstGeom prst="rect">
             <a:avLst/>
@@ -3867,7 +3867,7 @@
         <p:spPr>
           <a:xfrm>
             <a:off x="1989720" y="5239440"/>
-            <a:ext cx="160200" cy="1478160"/>
+            <a:ext cx="159480" cy="1477440"/>
           </a:xfrm>
           <a:prstGeom prst="rect">
             <a:avLst/>
@@ -3897,7 +3897,7 @@
         <p:spPr>
           <a:xfrm>
             <a:off x="2318760" y="5239440"/>
-            <a:ext cx="160560" cy="1478160"/>
+            <a:ext cx="159840" cy="1477440"/>
           </a:xfrm>
           <a:prstGeom prst="rect">
             <a:avLst/>
@@ -3926,8 +3926,8 @@
         </p:nvSpPr>
         <p:spPr>
           <a:xfrm rot="3468000">
-            <a:off x="1811160" y="5204880"/>
-            <a:ext cx="160200" cy="1478160"/>
+            <a:off x="1811520" y="5204520"/>
+            <a:ext cx="159480" cy="1477440"/>
           </a:xfrm>
           <a:prstGeom prst="rect">
             <a:avLst/>
@@ -3957,7 +3957,7 @@
         <p:spPr>
           <a:xfrm>
             <a:off x="3413880" y="5239440"/>
-            <a:ext cx="160560" cy="1478160"/>
+            <a:ext cx="159840" cy="1477440"/>
           </a:xfrm>
           <a:prstGeom prst="rect">
             <a:avLst/>
@@ -3987,7 +3987,7 @@
         <p:spPr>
           <a:xfrm>
             <a:off x="3743640" y="5239440"/>
-            <a:ext cx="160200" cy="1478160"/>
+            <a:ext cx="159480" cy="1477440"/>
           </a:xfrm>
           <a:prstGeom prst="rect">
             <a:avLst/>
@@ -4017,7 +4017,7 @@
         <p:spPr>
           <a:xfrm>
             <a:off x="4073400" y="5239440"/>
-            <a:ext cx="159840" cy="1478160"/>
+            <a:ext cx="159120" cy="1477440"/>
           </a:xfrm>
           <a:prstGeom prst="rect">
             <a:avLst/>
@@ -4047,7 +4047,7 @@
         <p:spPr>
           <a:xfrm>
             <a:off x="4402440" y="5239440"/>
-            <a:ext cx="160560" cy="1478160"/>
+            <a:ext cx="159840" cy="1477440"/>
           </a:xfrm>
           <a:prstGeom prst="rect">
             <a:avLst/>
@@ -4076,8 +4076,8 @@
         </p:nvSpPr>
         <p:spPr>
           <a:xfrm rot="3468000">
-            <a:off x="3894840" y="5204880"/>
-            <a:ext cx="160200" cy="1478160"/>
+            <a:off x="3895200" y="5204520"/>
+            <a:ext cx="159480" cy="1477440"/>
           </a:xfrm>
           <a:prstGeom prst="rect">
             <a:avLst/>
@@ -4107,7 +4107,7 @@
         <p:spPr>
           <a:xfrm>
             <a:off x="1330920" y="5239440"/>
-            <a:ext cx="159840" cy="1478160"/>
+            <a:ext cx="159120" cy="1477440"/>
           </a:xfrm>
           <a:prstGeom prst="rect">
             <a:avLst/>
@@ -4137,13 +4137,13 @@
         <p:spPr>
           <a:xfrm>
             <a:off x="1659960" y="5239440"/>
-            <a:ext cx="160560" cy="1478160"/>
-          </a:xfrm>
-          <a:prstGeom prst="rect">
-            <a:avLst/>
-          </a:prstGeom>
-          <a:solidFill>
-            <a:srgbClr val="ffffff"/>
+            <a:ext cx="159840" cy="1477440"/>
+          </a:xfrm>
+          <a:prstGeom prst="rect">
+            <a:avLst/>
+          </a:prstGeom>
+          <a:solidFill>
+            <a:srgbClr val="ef413d"/>
           </a:solidFill>
           <a:ln>
             <a:solidFill>
@@ -4167,7 +4167,7 @@
         <p:spPr>
           <a:xfrm>
             <a:off x="1989720" y="5239440"/>
-            <a:ext cx="160200" cy="1478160"/>
+            <a:ext cx="159480" cy="1477440"/>
           </a:xfrm>
           <a:prstGeom prst="rect">
             <a:avLst/>
@@ -4197,7 +4197,7 @@
         <p:spPr>
           <a:xfrm>
             <a:off x="2318760" y="5239440"/>
-            <a:ext cx="160560" cy="1478160"/>
+            <a:ext cx="159840" cy="1477440"/>
           </a:xfrm>
           <a:prstGeom prst="rect">
             <a:avLst/>
@@ -4226,8 +4226,8 @@
         </p:nvSpPr>
         <p:spPr>
           <a:xfrm rot="3468000">
-            <a:off x="1811160" y="5204880"/>
-            <a:ext cx="160200" cy="1478160"/>
+            <a:off x="1811520" y="5204520"/>
+            <a:ext cx="159480" cy="1477440"/>
           </a:xfrm>
           <a:prstGeom prst="rect">
             <a:avLst/>
@@ -4257,7 +4257,7 @@
         <p:spPr>
           <a:xfrm>
             <a:off x="3413880" y="5239440"/>
-            <a:ext cx="160560" cy="1478160"/>
+            <a:ext cx="159840" cy="1477440"/>
           </a:xfrm>
           <a:prstGeom prst="rect">
             <a:avLst/>
@@ -4287,7 +4287,7 @@
         <p:spPr>
           <a:xfrm>
             <a:off x="3743640" y="5239440"/>
-            <a:ext cx="160200" cy="1478160"/>
+            <a:ext cx="159480" cy="1477440"/>
           </a:xfrm>
           <a:prstGeom prst="rect">
             <a:avLst/>
@@ -4317,7 +4317,7 @@
         <p:spPr>
           <a:xfrm>
             <a:off x="4073400" y="5239440"/>
-            <a:ext cx="159840" cy="1478160"/>
+            <a:ext cx="159120" cy="1477440"/>
           </a:xfrm>
           <a:prstGeom prst="rect">
             <a:avLst/>
@@ -4347,13 +4347,13 @@
         <p:spPr>
           <a:xfrm>
             <a:off x="4402440" y="5239440"/>
-            <a:ext cx="160560" cy="1478160"/>
-          </a:xfrm>
-          <a:prstGeom prst="rect">
-            <a:avLst/>
-          </a:prstGeom>
-          <a:solidFill>
-            <a:srgbClr val="ffffff"/>
+            <a:ext cx="159840" cy="1477440"/>
+          </a:xfrm>
+          <a:prstGeom prst="rect">
+            <a:avLst/>
+          </a:prstGeom>
+          <a:solidFill>
+            <a:srgbClr val="ef413d"/>
           </a:solidFill>
           <a:ln>
             <a:solidFill>
@@ -4376,8 +4376,8 @@
         </p:nvSpPr>
         <p:spPr>
           <a:xfrm rot="3468000">
-            <a:off x="3894840" y="5204880"/>
-            <a:ext cx="160200" cy="1478160"/>
+            <a:off x="3895200" y="5204520"/>
+            <a:ext cx="159480" cy="1477440"/>
           </a:xfrm>
           <a:prstGeom prst="rect">
             <a:avLst/>
@@ -4407,7 +4407,7 @@
         <p:spPr>
           <a:xfrm>
             <a:off x="5613120" y="5239440"/>
-            <a:ext cx="160200" cy="1478160"/>
+            <a:ext cx="159480" cy="1477440"/>
           </a:xfrm>
           <a:prstGeom prst="rect">
             <a:avLst/>
@@ -4437,7 +4437,7 @@
         <p:spPr>
           <a:xfrm>
             <a:off x="5942520" y="5239440"/>
-            <a:ext cx="160560" cy="1478160"/>
+            <a:ext cx="159840" cy="1477440"/>
           </a:xfrm>
           <a:prstGeom prst="rect">
             <a:avLst/>
@@ -4467,7 +4467,7 @@
         <p:spPr>
           <a:xfrm>
             <a:off x="6271920" y="5239440"/>
-            <a:ext cx="160200" cy="1478160"/>
+            <a:ext cx="159480" cy="1477440"/>
           </a:xfrm>
           <a:prstGeom prst="rect">
             <a:avLst/>
@@ -4497,7 +4497,7 @@
         <p:spPr>
           <a:xfrm>
             <a:off x="6601320" y="5239440"/>
-            <a:ext cx="160560" cy="1478160"/>
+            <a:ext cx="159840" cy="1477440"/>
           </a:xfrm>
           <a:prstGeom prst="rect">
             <a:avLst/>
@@ -4526,8 +4526,8 @@
         </p:nvSpPr>
         <p:spPr>
           <a:xfrm rot="3468000">
-            <a:off x="6093720" y="5204880"/>
-            <a:ext cx="160200" cy="1478160"/>
+            <a:off x="6094080" y="5204520"/>
+            <a:ext cx="159480" cy="1477440"/>
           </a:xfrm>
           <a:prstGeom prst="rect">
             <a:avLst/>
@@ -4557,7 +4557,7 @@
         <p:spPr>
           <a:xfrm>
             <a:off x="5613120" y="5239440"/>
-            <a:ext cx="160200" cy="1478160"/>
+            <a:ext cx="159480" cy="1477440"/>
           </a:xfrm>
           <a:prstGeom prst="rect">
             <a:avLst/>
@@ -4587,7 +4587,7 @@
         <p:spPr>
           <a:xfrm>
             <a:off x="5942520" y="5239440"/>
-            <a:ext cx="160560" cy="1478160"/>
+            <a:ext cx="159840" cy="1477440"/>
           </a:xfrm>
           <a:prstGeom prst="rect">
             <a:avLst/>
@@ -4617,7 +4617,7 @@
         <p:spPr>
           <a:xfrm>
             <a:off x="6271920" y="5239440"/>
-            <a:ext cx="160200" cy="1478160"/>
+            <a:ext cx="159480" cy="1477440"/>
           </a:xfrm>
           <a:prstGeom prst="rect">
             <a:avLst/>
@@ -4647,7 +4647,7 @@
         <p:spPr>
           <a:xfrm>
             <a:off x="6601320" y="5239440"/>
-            <a:ext cx="160560" cy="1478160"/>
+            <a:ext cx="159840" cy="1477440"/>
           </a:xfrm>
           <a:prstGeom prst="rect">
             <a:avLst/>
@@ -4676,8 +4676,8 @@
         </p:nvSpPr>
         <p:spPr>
           <a:xfrm rot="3468000">
-            <a:off x="6093720" y="5204880"/>
-            <a:ext cx="160200" cy="1478160"/>
+            <a:off x="6094080" y="5204520"/>
+            <a:ext cx="159480" cy="1477440"/>
           </a:xfrm>
           <a:prstGeom prst="rect">
             <a:avLst/>
@@ -4707,7 +4707,7 @@
         <p:spPr>
           <a:xfrm>
             <a:off x="5613120" y="5239440"/>
-            <a:ext cx="160200" cy="1478160"/>
+            <a:ext cx="159480" cy="1477440"/>
           </a:xfrm>
           <a:prstGeom prst="rect">
             <a:avLst/>
@@ -4737,7 +4737,7 @@
         <p:spPr>
           <a:xfrm>
             <a:off x="7647480" y="5239440"/>
-            <a:ext cx="160200" cy="1478160"/>
+            <a:ext cx="159480" cy="1477440"/>
           </a:xfrm>
           <a:prstGeom prst="rect">
             <a:avLst/>
